--- a/Assignment IV/Img/AssignmentII-2.pptx
+++ b/Assignment IV/Img/AssignmentII-2.pptx
@@ -106,6 +106,11 @@
       </a:defRPr>
     </a:lvl9pPr>
   </p:defaultTextStyle>
+  <p:extLst>
+    <p:ext uri="{EFAFB233-063F-42B5-8137-9DF3F51BA10A}">
+      <p15:sldGuideLst xmlns:p15="http://schemas.microsoft.com/office/powerpoint/2012/main"/>
+    </p:ext>
+  </p:extLst>
 </p:presentation>
 </file>
 
@@ -6116,7 +6121,7 @@
           <p:nvPr>
             <p:extLst>
               <p:ext uri="{D42A27DB-BD31-4B8C-83A1-F6EECF244321}">
-                <p14:modId xmlns:p14="http://schemas.microsoft.com/office/powerpoint/2010/main" val="2586546895"/>
+                <p14:modId xmlns:p14="http://schemas.microsoft.com/office/powerpoint/2010/main" val="2545033769"/>
               </p:ext>
             </p:extLst>
           </p:nvPr>
@@ -6296,82 +6301,13 @@
                     </a:p>
                   </a:txBody>
                   <a:tcPr>
-                    <a:noFill/>
-                  </a:tcPr>
-                </a:tc>
-                <a:tc>
-                  <a:txBody>
-                    <a:bodyPr/>
-                    <a:lstStyle/>
-                    <a:p>
-                      <a:pPr algn="ctr"/>
-                      <a:endParaRPr lang="de-DE" dirty="0"/>
-                    </a:p>
-                  </a:txBody>
-                  <a:tcPr>
-                    <a:noFill/>
-                  </a:tcPr>
-                </a:tc>
-                <a:tc>
-                  <a:txBody>
-                    <a:bodyPr/>
-                    <a:lstStyle/>
-                    <a:p>
-                      <a:pPr algn="ctr"/>
-                      <a:endParaRPr lang="de-DE" dirty="0"/>
-                    </a:p>
-                  </a:txBody>
-                  <a:tcPr>
-                    <a:noFill/>
-                  </a:tcPr>
-                </a:tc>
-                <a:extLst>
-                  <a:ext uri="{0D108BD9-81ED-4DB2-BD59-A6C34878D82A}">
-                    <a16:rowId xmlns:a16="http://schemas.microsoft.com/office/drawing/2014/main" val="3637247113"/>
-                  </a:ext>
-                </a:extLst>
-              </a:tr>
-              <a:tr h="370840">
-                <a:tc>
-                  <a:txBody>
-                    <a:bodyPr/>
-                    <a:lstStyle/>
-                    <a:p>
-                      <a:r>
-                        <a:rPr lang="de-DE" dirty="0" smtClean="0">
-                          <a:solidFill>
-                            <a:schemeClr val="bg1"/>
-                          </a:solidFill>
-                        </a:rPr>
-                        <a:t>B</a:t>
-                      </a:r>
-                      <a:endParaRPr lang="de-DE" dirty="0">
-                        <a:solidFill>
-                          <a:schemeClr val="bg1"/>
-                        </a:solidFill>
-                      </a:endParaRPr>
-                    </a:p>
-                  </a:txBody>
-                  <a:tcPr>
                     <a:solidFill>
-                      <a:schemeClr val="accent1"/>
+                      <a:schemeClr val="tx1">
+                        <a:lumMod val="50000"/>
+                        <a:lumOff val="50000"/>
+                      </a:schemeClr>
                     </a:solidFill>
                   </a:tcPr>
-                </a:tc>
-                <a:tc>
-                  <a:txBody>
-                    <a:bodyPr/>
-                    <a:lstStyle/>
-                    <a:p>
-                      <a:pPr algn="ctr"/>
-                      <a:r>
-                        <a:rPr lang="de-DE" dirty="0" smtClean="0"/>
-                        <a:t>-2</a:t>
-                      </a:r>
-                      <a:endParaRPr lang="de-DE" dirty="0"/>
-                    </a:p>
-                  </a:txBody>
-                  <a:tcPr/>
                 </a:tc>
                 <a:tc>
                   <a:txBody>
@@ -6401,25 +6337,17 @@
                     </a:p>
                   </a:txBody>
                   <a:tcPr>
-                    <a:noFill/>
-                  </a:tcPr>
-                </a:tc>
-                <a:tc>
-                  <a:txBody>
-                    <a:bodyPr/>
-                    <a:lstStyle/>
-                    <a:p>
-                      <a:pPr algn="ctr"/>
-                      <a:endParaRPr lang="de-DE" dirty="0"/>
-                    </a:p>
-                  </a:txBody>
-                  <a:tcPr>
-                    <a:noFill/>
+                    <a:solidFill>
+                      <a:schemeClr val="tx1">
+                        <a:lumMod val="50000"/>
+                        <a:lumOff val="50000"/>
+                      </a:schemeClr>
+                    </a:solidFill>
                   </a:tcPr>
                 </a:tc>
                 <a:extLst>
                   <a:ext uri="{0D108BD9-81ED-4DB2-BD59-A6C34878D82A}">
-                    <a16:rowId xmlns:a16="http://schemas.microsoft.com/office/drawing/2014/main" val="1682205605"/>
+                    <a16:rowId xmlns:a16="http://schemas.microsoft.com/office/drawing/2014/main" val="3637247113"/>
                   </a:ext>
                 </a:extLst>
               </a:tr>
@@ -6435,7 +6363,7 @@
                             <a:schemeClr val="bg1"/>
                           </a:solidFill>
                         </a:rPr>
-                        <a:t>C</a:t>
+                        <a:t>B</a:t>
                       </a:r>
                       <a:endParaRPr lang="de-DE" dirty="0">
                         <a:solidFill>
@@ -6449,21 +6377,6 @@
                       <a:schemeClr val="accent1"/>
                     </a:solidFill>
                   </a:tcPr>
-                </a:tc>
-                <a:tc>
-                  <a:txBody>
-                    <a:bodyPr/>
-                    <a:lstStyle/>
-                    <a:p>
-                      <a:pPr algn="ctr"/>
-                      <a:r>
-                        <a:rPr lang="de-DE" dirty="0" smtClean="0"/>
-                        <a:t>2</a:t>
-                      </a:r>
-                      <a:endParaRPr lang="de-DE" dirty="0"/>
-                    </a:p>
-                  </a:txBody>
-                  <a:tcPr/>
                 </a:tc>
                 <a:tc>
                   <a:txBody>
@@ -6508,7 +6421,129 @@
                     </a:p>
                   </a:txBody>
                   <a:tcPr>
-                    <a:noFill/>
+                    <a:solidFill>
+                      <a:schemeClr val="tx1">
+                        <a:lumMod val="50000"/>
+                        <a:lumOff val="50000"/>
+                      </a:schemeClr>
+                    </a:solidFill>
+                  </a:tcPr>
+                </a:tc>
+                <a:tc>
+                  <a:txBody>
+                    <a:bodyPr/>
+                    <a:lstStyle/>
+                    <a:p>
+                      <a:pPr algn="ctr"/>
+                      <a:endParaRPr lang="de-DE" dirty="0"/>
+                    </a:p>
+                  </a:txBody>
+                  <a:tcPr>
+                    <a:solidFill>
+                      <a:schemeClr val="tx1">
+                        <a:lumMod val="50000"/>
+                        <a:lumOff val="50000"/>
+                      </a:schemeClr>
+                    </a:solidFill>
+                  </a:tcPr>
+                </a:tc>
+                <a:extLst>
+                  <a:ext uri="{0D108BD9-81ED-4DB2-BD59-A6C34878D82A}">
+                    <a16:rowId xmlns:a16="http://schemas.microsoft.com/office/drawing/2014/main" val="1682205605"/>
+                  </a:ext>
+                </a:extLst>
+              </a:tr>
+              <a:tr h="370840">
+                <a:tc>
+                  <a:txBody>
+                    <a:bodyPr/>
+                    <a:lstStyle/>
+                    <a:p>
+                      <a:r>
+                        <a:rPr lang="de-DE" dirty="0" smtClean="0">
+                          <a:solidFill>
+                            <a:schemeClr val="bg1"/>
+                          </a:solidFill>
+                        </a:rPr>
+                        <a:t>C</a:t>
+                      </a:r>
+                      <a:endParaRPr lang="de-DE" dirty="0">
+                        <a:solidFill>
+                          <a:schemeClr val="bg1"/>
+                        </a:solidFill>
+                      </a:endParaRPr>
+                    </a:p>
+                  </a:txBody>
+                  <a:tcPr>
+                    <a:solidFill>
+                      <a:schemeClr val="accent1"/>
+                    </a:solidFill>
+                  </a:tcPr>
+                </a:tc>
+                <a:tc>
+                  <a:txBody>
+                    <a:bodyPr/>
+                    <a:lstStyle/>
+                    <a:p>
+                      <a:pPr algn="ctr"/>
+                      <a:r>
+                        <a:rPr lang="de-DE" dirty="0" smtClean="0"/>
+                        <a:t>2</a:t>
+                      </a:r>
+                      <a:endParaRPr lang="de-DE" dirty="0"/>
+                    </a:p>
+                  </a:txBody>
+                  <a:tcPr/>
+                </a:tc>
+                <a:tc>
+                  <a:txBody>
+                    <a:bodyPr/>
+                    <a:lstStyle/>
+                    <a:p>
+                      <a:pPr algn="ctr"/>
+                      <a:r>
+                        <a:rPr lang="de-DE" dirty="0" smtClean="0"/>
+                        <a:t>-2</a:t>
+                      </a:r>
+                      <a:endParaRPr lang="de-DE" dirty="0"/>
+                    </a:p>
+                  </a:txBody>
+                  <a:tcPr/>
+                </a:tc>
+                <a:tc>
+                  <a:txBody>
+                    <a:bodyPr/>
+                    <a:lstStyle/>
+                    <a:p>
+                      <a:pPr algn="ctr"/>
+                      <a:endParaRPr lang="de-DE" dirty="0"/>
+                    </a:p>
+                  </a:txBody>
+                  <a:tcPr>
+                    <a:solidFill>
+                      <a:schemeClr val="tx1">
+                        <a:lumMod val="50000"/>
+                        <a:lumOff val="50000"/>
+                      </a:schemeClr>
+                    </a:solidFill>
+                  </a:tcPr>
+                </a:tc>
+                <a:tc>
+                  <a:txBody>
+                    <a:bodyPr/>
+                    <a:lstStyle/>
+                    <a:p>
+                      <a:pPr algn="ctr"/>
+                      <a:endParaRPr lang="de-DE" dirty="0"/>
+                    </a:p>
+                  </a:txBody>
+                  <a:tcPr>
+                    <a:solidFill>
+                      <a:schemeClr val="tx1">
+                        <a:lumMod val="50000"/>
+                        <a:lumOff val="50000"/>
+                      </a:schemeClr>
+                    </a:solidFill>
                   </a:tcPr>
                 </a:tc>
                 <a:extLst>

--- a/Assignment IV/Img/AssignmentII-2.pptx
+++ b/Assignment IV/Img/AssignmentII-2.pptx
@@ -2980,7 +2980,7 @@
           <p:nvPr>
             <p:extLst>
               <p:ext uri="{D42A27DB-BD31-4B8C-83A1-F6EECF244321}">
-                <p14:modId xmlns:p14="http://schemas.microsoft.com/office/powerpoint/2010/main" val="3209155810"/>
+                <p14:modId xmlns:p14="http://schemas.microsoft.com/office/powerpoint/2010/main" val="3422145131"/>
               </p:ext>
             </p:extLst>
           </p:nvPr>
@@ -3386,7 +3386,7 @@
                   </a:txBody>
                   <a:tcPr>
                     <a:solidFill>
-                      <a:schemeClr val="accent2"/>
+                      <a:srgbClr val="C00000"/>
                     </a:solidFill>
                   </a:tcPr>
                 </a:tc>
@@ -3409,7 +3409,7 @@
           <p:nvPr>
             <p:extLst>
               <p:ext uri="{D42A27DB-BD31-4B8C-83A1-F6EECF244321}">
-                <p14:modId xmlns:p14="http://schemas.microsoft.com/office/powerpoint/2010/main" val="3905578077"/>
+                <p14:modId xmlns:p14="http://schemas.microsoft.com/office/powerpoint/2010/main" val="1840345875"/>
               </p:ext>
             </p:extLst>
           </p:nvPr>
@@ -3908,7 +3908,7 @@
                   </a:txBody>
                   <a:tcPr>
                     <a:solidFill>
-                      <a:schemeClr val="accent2"/>
+                      <a:srgbClr val="C00000"/>
                     </a:solidFill>
                   </a:tcPr>
                 </a:tc>
@@ -3931,7 +3931,7 @@
           <p:nvPr>
             <p:extLst>
               <p:ext uri="{D42A27DB-BD31-4B8C-83A1-F6EECF244321}">
-                <p14:modId xmlns:p14="http://schemas.microsoft.com/office/powerpoint/2010/main" val="1470464166"/>
+                <p14:modId xmlns:p14="http://schemas.microsoft.com/office/powerpoint/2010/main" val="3705939947"/>
               </p:ext>
             </p:extLst>
           </p:nvPr>
@@ -4523,7 +4523,7 @@
                   </a:txBody>
                   <a:tcPr>
                     <a:solidFill>
-                      <a:schemeClr val="accent2"/>
+                      <a:srgbClr val="C00000"/>
                     </a:solidFill>
                   </a:tcPr>
                 </a:tc>
@@ -4546,7 +4546,7 @@
           <p:nvPr>
             <p:extLst>
               <p:ext uri="{D42A27DB-BD31-4B8C-83A1-F6EECF244321}">
-                <p14:modId xmlns:p14="http://schemas.microsoft.com/office/powerpoint/2010/main" val="4123545246"/>
+                <p14:modId xmlns:p14="http://schemas.microsoft.com/office/powerpoint/2010/main" val="891666990"/>
               </p:ext>
             </p:extLst>
           </p:nvPr>
@@ -4964,7 +4964,7 @@
                   </a:txBody>
                   <a:tcPr>
                     <a:solidFill>
-                      <a:schemeClr val="accent2"/>
+                      <a:srgbClr val="C00000"/>
                     </a:solidFill>
                   </a:tcPr>
                 </a:tc>
@@ -4987,7 +4987,7 @@
           <p:nvPr>
             <p:extLst>
               <p:ext uri="{D42A27DB-BD31-4B8C-83A1-F6EECF244321}">
-                <p14:modId xmlns:p14="http://schemas.microsoft.com/office/powerpoint/2010/main" val="332307672"/>
+                <p14:modId xmlns:p14="http://schemas.microsoft.com/office/powerpoint/2010/main" val="2951943983"/>
               </p:ext>
             </p:extLst>
           </p:nvPr>
@@ -5483,7 +5483,7 @@
                   </a:txBody>
                   <a:tcPr>
                     <a:solidFill>
-                      <a:schemeClr val="accent2"/>
+                      <a:srgbClr val="C00000"/>
                     </a:solidFill>
                   </a:tcPr>
                 </a:tc>
@@ -5506,7 +5506,7 @@
           <p:nvPr>
             <p:extLst>
               <p:ext uri="{D42A27DB-BD31-4B8C-83A1-F6EECF244321}">
-                <p14:modId xmlns:p14="http://schemas.microsoft.com/office/powerpoint/2010/main" val="3018518522"/>
+                <p14:modId xmlns:p14="http://schemas.microsoft.com/office/powerpoint/2010/main" val="2695401837"/>
               </p:ext>
             </p:extLst>
           </p:nvPr>
@@ -6098,7 +6098,7 @@
                   </a:txBody>
                   <a:tcPr>
                     <a:solidFill>
-                      <a:schemeClr val="accent2"/>
+                      <a:srgbClr val="C00000"/>
                     </a:solidFill>
                   </a:tcPr>
                 </a:tc>
@@ -8492,13 +8492,277 @@
       </p:grpSpPr>
       <p:sp>
         <p:nvSpPr>
+          <p:cNvPr id="53" name="Rechteck 52"/>
+          <p:cNvSpPr/>
+          <p:nvPr/>
+        </p:nvSpPr>
+        <p:spPr>
+          <a:xfrm>
+            <a:off x="10049069" y="1389306"/>
+            <a:ext cx="793102" cy="351651"/>
+          </a:xfrm>
+          <a:prstGeom prst="rect">
+            <a:avLst/>
+          </a:prstGeom>
+          <a:solidFill>
+            <a:schemeClr val="accent6"/>
+          </a:solidFill>
+          <a:ln>
+            <a:solidFill>
+              <a:schemeClr val="accent6"/>
+            </a:solidFill>
+          </a:ln>
+        </p:spPr>
+        <p:style>
+          <a:lnRef idx="2">
+            <a:schemeClr val="accent1">
+              <a:shade val="50000"/>
+            </a:schemeClr>
+          </a:lnRef>
+          <a:fillRef idx="1">
+            <a:schemeClr val="accent1"/>
+          </a:fillRef>
+          <a:effectRef idx="0">
+            <a:schemeClr val="accent1"/>
+          </a:effectRef>
+          <a:fontRef idx="minor">
+            <a:schemeClr val="lt1"/>
+          </a:fontRef>
+        </p:style>
+        <p:txBody>
+          <a:bodyPr rtlCol="0" anchor="ctr"/>
+          <a:lstStyle/>
+          <a:p>
+            <a:pPr algn="ctr"/>
+            <a:endParaRPr lang="de-DE"/>
+          </a:p>
+        </p:txBody>
+      </p:sp>
+      <p:sp>
+        <p:nvSpPr>
+          <p:cNvPr id="54" name="Rechteck 53"/>
+          <p:cNvSpPr/>
+          <p:nvPr/>
+        </p:nvSpPr>
+        <p:spPr>
+          <a:xfrm>
+            <a:off x="10049069" y="836289"/>
+            <a:ext cx="793102" cy="553017"/>
+          </a:xfrm>
+          <a:prstGeom prst="rect">
+            <a:avLst/>
+          </a:prstGeom>
+        </p:spPr>
+        <p:style>
+          <a:lnRef idx="2">
+            <a:schemeClr val="accent2">
+              <a:shade val="50000"/>
+            </a:schemeClr>
+          </a:lnRef>
+          <a:fillRef idx="1">
+            <a:schemeClr val="accent2"/>
+          </a:fillRef>
+          <a:effectRef idx="0">
+            <a:schemeClr val="accent2"/>
+          </a:effectRef>
+          <a:fontRef idx="minor">
+            <a:schemeClr val="lt1"/>
+          </a:fontRef>
+        </p:style>
+        <p:txBody>
+          <a:bodyPr rtlCol="0" anchor="ctr"/>
+          <a:lstStyle/>
+          <a:p>
+            <a:pPr algn="ctr"/>
+            <a:endParaRPr lang="de-DE"/>
+          </a:p>
+        </p:txBody>
+      </p:sp>
+      <p:sp>
+        <p:nvSpPr>
+          <p:cNvPr id="55" name="Rechteck 54"/>
+          <p:cNvSpPr/>
+          <p:nvPr/>
+        </p:nvSpPr>
+        <p:spPr>
+          <a:xfrm>
+            <a:off x="10052977" y="1665003"/>
+            <a:ext cx="793102" cy="351651"/>
+          </a:xfrm>
+          <a:prstGeom prst="rect">
+            <a:avLst/>
+          </a:prstGeom>
+          <a:solidFill>
+            <a:schemeClr val="accent4"/>
+          </a:solidFill>
+          <a:ln>
+            <a:solidFill>
+              <a:schemeClr val="accent4"/>
+            </a:solidFill>
+          </a:ln>
+        </p:spPr>
+        <p:style>
+          <a:lnRef idx="2">
+            <a:schemeClr val="accent1">
+              <a:shade val="50000"/>
+            </a:schemeClr>
+          </a:lnRef>
+          <a:fillRef idx="1">
+            <a:schemeClr val="accent1"/>
+          </a:fillRef>
+          <a:effectRef idx="0">
+            <a:schemeClr val="accent1"/>
+          </a:effectRef>
+          <a:fontRef idx="minor">
+            <a:schemeClr val="lt1"/>
+          </a:fontRef>
+        </p:style>
+        <p:txBody>
+          <a:bodyPr rtlCol="0" anchor="ctr"/>
+          <a:lstStyle/>
+          <a:p>
+            <a:pPr algn="ctr"/>
+            <a:endParaRPr lang="de-DE"/>
+          </a:p>
+        </p:txBody>
+      </p:sp>
+      <p:sp>
+        <p:nvSpPr>
+          <p:cNvPr id="13" name="Rechteck 12"/>
+          <p:cNvSpPr/>
+          <p:nvPr/>
+        </p:nvSpPr>
+        <p:spPr>
+          <a:xfrm>
+            <a:off x="5686282" y="1543513"/>
+            <a:ext cx="793102" cy="351651"/>
+          </a:xfrm>
+          <a:prstGeom prst="rect">
+            <a:avLst/>
+          </a:prstGeom>
+          <a:solidFill>
+            <a:schemeClr val="accent6"/>
+          </a:solidFill>
+          <a:ln>
+            <a:solidFill>
+              <a:schemeClr val="accent6"/>
+            </a:solidFill>
+          </a:ln>
+        </p:spPr>
+        <p:style>
+          <a:lnRef idx="2">
+            <a:schemeClr val="accent1">
+              <a:shade val="50000"/>
+            </a:schemeClr>
+          </a:lnRef>
+          <a:fillRef idx="1">
+            <a:schemeClr val="accent1"/>
+          </a:fillRef>
+          <a:effectRef idx="0">
+            <a:schemeClr val="accent1"/>
+          </a:effectRef>
+          <a:fontRef idx="minor">
+            <a:schemeClr val="lt1"/>
+          </a:fontRef>
+        </p:style>
+        <p:txBody>
+          <a:bodyPr rtlCol="0" anchor="ctr"/>
+          <a:lstStyle/>
+          <a:p>
+            <a:pPr algn="ctr"/>
+            <a:endParaRPr lang="de-DE"/>
+          </a:p>
+        </p:txBody>
+      </p:sp>
+      <p:sp>
+        <p:nvSpPr>
+          <p:cNvPr id="52" name="Rechteck 51"/>
+          <p:cNvSpPr/>
+          <p:nvPr/>
+        </p:nvSpPr>
+        <p:spPr>
+          <a:xfrm>
+            <a:off x="5686282" y="990496"/>
+            <a:ext cx="793102" cy="553017"/>
+          </a:xfrm>
+          <a:prstGeom prst="rect">
+            <a:avLst/>
+          </a:prstGeom>
+        </p:spPr>
+        <p:style>
+          <a:lnRef idx="2">
+            <a:schemeClr val="accent2">
+              <a:shade val="50000"/>
+            </a:schemeClr>
+          </a:lnRef>
+          <a:fillRef idx="1">
+            <a:schemeClr val="accent2"/>
+          </a:fillRef>
+          <a:effectRef idx="0">
+            <a:schemeClr val="accent2"/>
+          </a:effectRef>
+          <a:fontRef idx="minor">
+            <a:schemeClr val="lt1"/>
+          </a:fontRef>
+        </p:style>
+        <p:txBody>
+          <a:bodyPr rtlCol="0" anchor="ctr"/>
+          <a:lstStyle/>
+          <a:p>
+            <a:pPr algn="ctr"/>
+            <a:endParaRPr lang="de-DE"/>
+          </a:p>
+        </p:txBody>
+      </p:sp>
+      <p:sp>
+        <p:nvSpPr>
+          <p:cNvPr id="12" name="Rechteck 11"/>
+          <p:cNvSpPr/>
+          <p:nvPr/>
+        </p:nvSpPr>
+        <p:spPr>
+          <a:xfrm>
+            <a:off x="1716833" y="1156990"/>
+            <a:ext cx="793102" cy="553017"/>
+          </a:xfrm>
+          <a:prstGeom prst="rect">
+            <a:avLst/>
+          </a:prstGeom>
+        </p:spPr>
+        <p:style>
+          <a:lnRef idx="2">
+            <a:schemeClr val="accent2">
+              <a:shade val="50000"/>
+            </a:schemeClr>
+          </a:lnRef>
+          <a:fillRef idx="1">
+            <a:schemeClr val="accent2"/>
+          </a:fillRef>
+          <a:effectRef idx="0">
+            <a:schemeClr val="accent2"/>
+          </a:effectRef>
+          <a:fontRef idx="minor">
+            <a:schemeClr val="lt1"/>
+          </a:fontRef>
+        </p:style>
+        <p:txBody>
+          <a:bodyPr rtlCol="0" anchor="ctr"/>
+          <a:lstStyle/>
+          <a:p>
+            <a:pPr algn="ctr"/>
+            <a:endParaRPr lang="de-DE"/>
+          </a:p>
+        </p:txBody>
+      </p:sp>
+      <p:sp>
+        <p:nvSpPr>
           <p:cNvPr id="4" name="Textfeld 3"/>
           <p:cNvSpPr txBox="1"/>
           <p:nvPr/>
         </p:nvSpPr>
         <p:spPr>
           <a:xfrm>
-            <a:off x="3181738" y="1842265"/>
+            <a:off x="3181738" y="498650"/>
             <a:ext cx="1268964" cy="369332"/>
           </a:xfrm>
           <a:prstGeom prst="rect">
@@ -8527,7 +8791,7 @@
         </p:nvSpPr>
         <p:spPr>
           <a:xfrm>
-            <a:off x="1716833" y="2453950"/>
+            <a:off x="1701369" y="1118642"/>
             <a:ext cx="793102" cy="646331"/>
           </a:xfrm>
           <a:prstGeom prst="rect">
@@ -8543,6 +8807,9 @@
           <a:p>
             <a:r>
               <a:rPr lang="de-DE" dirty="0" smtClean="0">
+                <a:solidFill>
+                  <a:schemeClr val="bg1"/>
+                </a:solidFill>
                 <a:latin typeface="Courier New" panose="02070309020205020404" pitchFamily="49" charset="0"/>
                 <a:cs typeface="Courier New" panose="02070309020205020404" pitchFamily="49" charset="0"/>
               </a:rPr>
@@ -8552,12 +8819,18 @@
           <a:p>
             <a:r>
               <a:rPr lang="de-DE" dirty="0" smtClean="0">
+                <a:solidFill>
+                  <a:schemeClr val="bg1"/>
+                </a:solidFill>
                 <a:latin typeface="Courier New" panose="02070309020205020404" pitchFamily="49" charset="0"/>
                 <a:cs typeface="Courier New" panose="02070309020205020404" pitchFamily="49" charset="0"/>
               </a:rPr>
               <a:t>CACT</a:t>
             </a:r>
             <a:endParaRPr lang="de-DE" dirty="0">
+              <a:solidFill>
+                <a:schemeClr val="bg1"/>
+              </a:solidFill>
               <a:latin typeface="Courier New" panose="02070309020205020404" pitchFamily="49" charset="0"/>
               <a:cs typeface="Courier New" panose="02070309020205020404" pitchFamily="49" charset="0"/>
             </a:endParaRPr>
@@ -8572,7 +8845,7 @@
         </p:nvSpPr>
         <p:spPr>
           <a:xfrm>
-            <a:off x="10021078" y="2185258"/>
+            <a:off x="10021078" y="841643"/>
             <a:ext cx="839755" cy="1200329"/>
           </a:xfrm>
           <a:prstGeom prst="rect">
@@ -8588,6 +8861,9 @@
           <a:p>
             <a:r>
               <a:rPr lang="de-DE" dirty="0" smtClean="0">
+                <a:solidFill>
+                  <a:schemeClr val="bg1"/>
+                </a:solidFill>
                 <a:latin typeface="Courier New" panose="02070309020205020404" pitchFamily="49" charset="0"/>
                 <a:cs typeface="Courier New" panose="02070309020205020404" pitchFamily="49" charset="0"/>
               </a:rPr>
@@ -8597,6 +8873,9 @@
           <a:p>
             <a:r>
               <a:rPr lang="de-DE" dirty="0" smtClean="0">
+                <a:solidFill>
+                  <a:schemeClr val="bg1"/>
+                </a:solidFill>
                 <a:latin typeface="Courier New" panose="02070309020205020404" pitchFamily="49" charset="0"/>
                 <a:cs typeface="Courier New" panose="02070309020205020404" pitchFamily="49" charset="0"/>
               </a:rPr>
@@ -8606,6 +8885,9 @@
           <a:p>
             <a:r>
               <a:rPr lang="de-DE" dirty="0" smtClean="0">
+                <a:solidFill>
+                  <a:schemeClr val="bg1"/>
+                </a:solidFill>
                 <a:latin typeface="Courier New" panose="02070309020205020404" pitchFamily="49" charset="0"/>
                 <a:cs typeface="Courier New" panose="02070309020205020404" pitchFamily="49" charset="0"/>
               </a:rPr>
@@ -8615,6 +8897,9 @@
           <a:p>
             <a:r>
               <a:rPr lang="de-DE" dirty="0" smtClean="0">
+                <a:solidFill>
+                  <a:schemeClr val="bg1"/>
+                </a:solidFill>
                 <a:latin typeface="Courier New" panose="02070309020205020404" pitchFamily="49" charset="0"/>
                 <a:cs typeface="Courier New" panose="02070309020205020404" pitchFamily="49" charset="0"/>
               </a:rPr>
@@ -8631,7 +8916,7 @@
         </p:nvSpPr>
         <p:spPr>
           <a:xfrm>
-            <a:off x="5705740" y="2315449"/>
+            <a:off x="5705740" y="971834"/>
             <a:ext cx="814874" cy="923330"/>
           </a:xfrm>
           <a:prstGeom prst="rect">
@@ -8647,6 +8932,9 @@
           <a:p>
             <a:r>
               <a:rPr lang="de-DE" dirty="0" smtClean="0">
+                <a:solidFill>
+                  <a:schemeClr val="bg1"/>
+                </a:solidFill>
                 <a:latin typeface="Courier New" panose="02070309020205020404" pitchFamily="49" charset="0"/>
                 <a:cs typeface="Courier New" panose="02070309020205020404" pitchFamily="49" charset="0"/>
               </a:rPr>
@@ -8656,6 +8944,9 @@
           <a:p>
             <a:r>
               <a:rPr lang="de-DE" dirty="0" smtClean="0">
+                <a:solidFill>
+                  <a:schemeClr val="bg1"/>
+                </a:solidFill>
                 <a:latin typeface="Courier New" panose="02070309020205020404" pitchFamily="49" charset="0"/>
                 <a:cs typeface="Courier New" panose="02070309020205020404" pitchFamily="49" charset="0"/>
               </a:rPr>
@@ -8665,11 +8956,31 @@
           <a:p>
             <a:r>
               <a:rPr lang="de-DE" dirty="0" smtClean="0">
+                <a:solidFill>
+                  <a:schemeClr val="bg1"/>
+                </a:solidFill>
                 <a:latin typeface="Courier New" panose="02070309020205020404" pitchFamily="49" charset="0"/>
                 <a:cs typeface="Courier New" panose="02070309020205020404" pitchFamily="49" charset="0"/>
               </a:rPr>
-              <a:t>-TC-</a:t>
+              <a:t>-T</a:t>
             </a:r>
+            <a:r>
+              <a:rPr lang="de-DE" dirty="0" smtClean="0">
+                <a:solidFill>
+                  <a:schemeClr val="bg1"/>
+                </a:solidFill>
+                <a:latin typeface="Courier New" panose="02070309020205020404" pitchFamily="49" charset="0"/>
+                <a:cs typeface="Courier New" panose="02070309020205020404" pitchFamily="49" charset="0"/>
+              </a:rPr>
+              <a:t>C-</a:t>
+            </a:r>
+            <a:endParaRPr lang="de-DE" dirty="0" smtClean="0">
+              <a:solidFill>
+                <a:schemeClr val="bg1"/>
+              </a:solidFill>
+              <a:latin typeface="Courier New" panose="02070309020205020404" pitchFamily="49" charset="0"/>
+              <a:cs typeface="Courier New" panose="02070309020205020404" pitchFamily="49" charset="0"/>
+            </a:endParaRPr>
           </a:p>
         </p:txBody>
       </p:sp>
@@ -8682,20 +8993,20 @@
           <p:nvPr>
             <p:extLst>
               <p:ext uri="{D42A27DB-BD31-4B8C-83A1-F6EECF244321}">
-                <p14:modId xmlns:p14="http://schemas.microsoft.com/office/powerpoint/2010/main" val="3022682108"/>
+                <p14:modId xmlns:p14="http://schemas.microsoft.com/office/powerpoint/2010/main" val="2514629012"/>
               </p:ext>
             </p:extLst>
           </p:nvPr>
         </p:nvGraphicFramePr>
         <p:xfrm>
-          <a:off x="5013791" y="3865789"/>
-          <a:ext cx="1993500" cy="1828800"/>
+          <a:off x="3816220" y="2191268"/>
+          <a:ext cx="1993500" cy="2194560"/>
         </p:xfrm>
         <a:graphic>
           <a:graphicData uri="http://schemas.openxmlformats.org/drawingml/2006/table">
             <a:tbl>
               <a:tblPr firstRow="1" bandRow="1">
-                <a:tableStyleId>{5C22544A-7EE6-4342-B048-85BDC9FD1C3A}</a:tableStyleId>
+                <a:tableStyleId>{93296810-A885-4BE3-A3E7-6D5BEEA58F35}</a:tableStyleId>
               </a:tblPr>
               <a:tblGrid>
                 <a:gridCol w="498375">
@@ -8809,7 +9120,7 @@
                   </a:txBody>
                   <a:tcPr>
                     <a:solidFill>
-                      <a:schemeClr val="accent1"/>
+                      <a:schemeClr val="accent6"/>
                     </a:solidFill>
                   </a:tcPr>
                 </a:tc>
@@ -8818,6 +9129,7 @@
                     <a:bodyPr/>
                     <a:lstStyle/>
                     <a:p>
+                      <a:pPr algn="ctr"/>
                       <a:r>
                         <a:rPr lang="de-DE" dirty="0" smtClean="0"/>
                         <a:t>0</a:t>
@@ -8832,6 +9144,7 @@
                     <a:bodyPr/>
                     <a:lstStyle/>
                     <a:p>
+                      <a:pPr algn="ctr"/>
                       <a:r>
                         <a:rPr lang="de-DE" dirty="0" smtClean="0"/>
                         <a:t>-2</a:t>
@@ -8846,6 +9159,7 @@
                     <a:bodyPr/>
                     <a:lstStyle/>
                     <a:p>
+                      <a:pPr algn="ctr"/>
                       <a:r>
                         <a:rPr lang="de-DE" dirty="0" smtClean="0"/>
                         <a:t>-4</a:t>
@@ -8884,7 +9198,7 @@
                   </a:txBody>
                   <a:tcPr>
                     <a:solidFill>
-                      <a:schemeClr val="accent1"/>
+                      <a:schemeClr val="accent6"/>
                     </a:solidFill>
                   </a:tcPr>
                 </a:tc>
@@ -8893,6 +9207,7 @@
                     <a:bodyPr/>
                     <a:lstStyle/>
                     <a:p>
+                      <a:pPr algn="ctr"/>
                       <a:r>
                         <a:rPr lang="de-DE" dirty="0" smtClean="0"/>
                         <a:t>-2</a:t>
@@ -8907,6 +9222,7 @@
                     <a:bodyPr/>
                     <a:lstStyle/>
                     <a:p>
+                      <a:pPr algn="ctr"/>
                       <a:r>
                         <a:rPr lang="de-DE" dirty="0" smtClean="0"/>
                         <a:t>-2</a:t>
@@ -8921,6 +9237,7 @@
                     <a:bodyPr/>
                     <a:lstStyle/>
                     <a:p>
+                      <a:pPr algn="ctr"/>
                       <a:r>
                         <a:rPr lang="de-DE" dirty="0" smtClean="0"/>
                         <a:t>0</a:t>
@@ -8948,7 +9265,7 @@
                             <a:schemeClr val="bg1"/>
                           </a:solidFill>
                         </a:rPr>
-                        <a:t>C</a:t>
+                        <a:t>-</a:t>
                       </a:r>
                       <a:endParaRPr lang="de-DE" dirty="0">
                         <a:solidFill>
@@ -8959,7 +9276,7 @@
                   </a:txBody>
                   <a:tcPr>
                     <a:solidFill>
-                      <a:schemeClr val="accent1"/>
+                      <a:schemeClr val="accent6"/>
                     </a:solidFill>
                   </a:tcPr>
                 </a:tc>
@@ -8968,6 +9285,7 @@
                     <a:bodyPr/>
                     <a:lstStyle/>
                     <a:p>
+                      <a:pPr algn="ctr"/>
                       <a:r>
                         <a:rPr lang="de-DE" dirty="0" smtClean="0"/>
                         <a:t>-4</a:t>
@@ -8982,6 +9300,7 @@
                     <a:bodyPr/>
                     <a:lstStyle/>
                     <a:p>
+                      <a:pPr algn="ctr"/>
                       <a:r>
                         <a:rPr lang="de-DE" dirty="0" smtClean="0"/>
                         <a:t>-4</a:t>
@@ -8996,9 +9315,88 @@
                     <a:bodyPr/>
                     <a:lstStyle/>
                     <a:p>
-                      <a:r>
-                        <a:rPr lang="de-DE" dirty="0" smtClean="0"/>
-                        <a:t>0</a:t>
+                      <a:pPr algn="ctr"/>
+                      <a:r>
+                        <a:rPr lang="de-DE" dirty="0" smtClean="0"/>
+                        <a:t>-2</a:t>
+                      </a:r>
+                      <a:endParaRPr lang="de-DE" dirty="0"/>
+                    </a:p>
+                  </a:txBody>
+                  <a:tcPr/>
+                </a:tc>
+                <a:extLst>
+                  <a:ext uri="{0D108BD9-81ED-4DB2-BD59-A6C34878D82A}">
+                    <a16:rowId xmlns:a16="http://schemas.microsoft.com/office/drawing/2014/main" val="862423297"/>
+                  </a:ext>
+                </a:extLst>
+              </a:tr>
+              <a:tr h="333431">
+                <a:tc>
+                  <a:txBody>
+                    <a:bodyPr/>
+                    <a:lstStyle/>
+                    <a:p>
+                      <a:r>
+                        <a:rPr lang="de-DE" dirty="0" smtClean="0">
+                          <a:solidFill>
+                            <a:schemeClr val="bg1"/>
+                          </a:solidFill>
+                        </a:rPr>
+                        <a:t>C</a:t>
+                      </a:r>
+                      <a:endParaRPr lang="de-DE" dirty="0">
+                        <a:solidFill>
+                          <a:schemeClr val="bg1"/>
+                        </a:solidFill>
+                      </a:endParaRPr>
+                    </a:p>
+                  </a:txBody>
+                  <a:tcPr>
+                    <a:solidFill>
+                      <a:schemeClr val="accent6"/>
+                    </a:solidFill>
+                  </a:tcPr>
+                </a:tc>
+                <a:tc>
+                  <a:txBody>
+                    <a:bodyPr/>
+                    <a:lstStyle/>
+                    <a:p>
+                      <a:pPr algn="ctr"/>
+                      <a:r>
+                        <a:rPr lang="de-DE" dirty="0" smtClean="0"/>
+                        <a:t>-6</a:t>
+                      </a:r>
+                      <a:endParaRPr lang="de-DE" dirty="0"/>
+                    </a:p>
+                  </a:txBody>
+                  <a:tcPr/>
+                </a:tc>
+                <a:tc>
+                  <a:txBody>
+                    <a:bodyPr/>
+                    <a:lstStyle/>
+                    <a:p>
+                      <a:pPr algn="ctr"/>
+                      <a:r>
+                        <a:rPr lang="de-DE" dirty="0" smtClean="0"/>
+                        <a:t>-6</a:t>
+                      </a:r>
+                      <a:endParaRPr lang="de-DE" dirty="0"/>
+                    </a:p>
+                  </a:txBody>
+                  <a:tcPr/>
+                </a:tc>
+                <a:tc>
+                  <a:txBody>
+                    <a:bodyPr/>
+                    <a:lstStyle/>
+                    <a:p>
+                      <a:pPr algn="ctr"/>
+                      <a:r>
+                        <a:rPr lang="de-DE" dirty="0" smtClean="0"/>
+                        <a:t>-2</a:t>
                       </a:r>
                       <a:endParaRPr lang="de-DE" dirty="0"/>
                     </a:p>
@@ -9034,7 +9432,7 @@
                   </a:txBody>
                   <a:tcPr>
                     <a:solidFill>
-                      <a:schemeClr val="accent1"/>
+                      <a:schemeClr val="accent6"/>
                     </a:solidFill>
                   </a:tcPr>
                 </a:tc>
@@ -9043,41 +9441,44 @@
                     <a:bodyPr/>
                     <a:lstStyle/>
                     <a:p>
-                      <a:r>
-                        <a:rPr lang="de-DE" dirty="0" smtClean="0"/>
-                        <a:t>-6</a:t>
-                      </a:r>
-                      <a:endParaRPr lang="de-DE" dirty="0"/>
-                    </a:p>
-                  </a:txBody>
-                  <a:tcPr/>
-                </a:tc>
-                <a:tc>
-                  <a:txBody>
-                    <a:bodyPr/>
-                    <a:lstStyle/>
-                    <a:p>
-                      <a:r>
-                        <a:rPr lang="de-DE" dirty="0" smtClean="0"/>
-                        <a:t>-2</a:t>
-                      </a:r>
-                      <a:endParaRPr lang="de-DE" dirty="0"/>
-                    </a:p>
-                  </a:txBody>
-                  <a:tcPr/>
-                </a:tc>
-                <a:tc>
-                  <a:txBody>
-                    <a:bodyPr/>
-                    <a:lstStyle/>
-                    <a:p>
+                      <a:pPr algn="ctr"/>
+                      <a:r>
+                        <a:rPr lang="de-DE" dirty="0" smtClean="0"/>
+                        <a:t>-8</a:t>
+                      </a:r>
+                      <a:endParaRPr lang="de-DE" dirty="0"/>
+                    </a:p>
+                  </a:txBody>
+                  <a:tcPr/>
+                </a:tc>
+                <a:tc>
+                  <a:txBody>
+                    <a:bodyPr/>
+                    <a:lstStyle/>
+                    <a:p>
+                      <a:pPr algn="ctr"/>
+                      <a:r>
+                        <a:rPr lang="de-DE" dirty="0" smtClean="0"/>
+                        <a:t>-8</a:t>
+                      </a:r>
+                      <a:endParaRPr lang="de-DE" dirty="0"/>
+                    </a:p>
+                  </a:txBody>
+                  <a:tcPr/>
+                </a:tc>
+                <a:tc>
+                  <a:txBody>
+                    <a:bodyPr/>
+                    <a:lstStyle/>
+                    <a:p>
+                      <a:pPr algn="ctr"/>
                       <a:r>
                         <a:rPr lang="de-DE" dirty="0" smtClean="0">
                           <a:solidFill>
                             <a:schemeClr val="bg1"/>
                           </a:solidFill>
                         </a:rPr>
-                        <a:t>-2</a:t>
+                        <a:t>-6</a:t>
                       </a:r>
                       <a:endParaRPr lang="de-DE" dirty="0">
                         <a:solidFill>
@@ -9088,7 +9489,7 @@
                   </a:txBody>
                   <a:tcPr>
                     <a:solidFill>
-                      <a:schemeClr val="accent2"/>
+                      <a:srgbClr val="C00000"/>
                     </a:solidFill>
                   </a:tcPr>
                 </a:tc>
@@ -9111,20 +9512,20 @@
           <p:nvPr>
             <p:extLst>
               <p:ext uri="{D42A27DB-BD31-4B8C-83A1-F6EECF244321}">
-                <p14:modId xmlns:p14="http://schemas.microsoft.com/office/powerpoint/2010/main" val="2599823678"/>
+                <p14:modId xmlns:p14="http://schemas.microsoft.com/office/powerpoint/2010/main" val="1345408282"/>
               </p:ext>
             </p:extLst>
           </p:nvPr>
         </p:nvGraphicFramePr>
         <p:xfrm>
-          <a:off x="1116634" y="3865789"/>
+          <a:off x="373542" y="2191268"/>
           <a:ext cx="1993500" cy="2194560"/>
         </p:xfrm>
         <a:graphic>
           <a:graphicData uri="http://schemas.openxmlformats.org/drawingml/2006/table">
             <a:tbl>
               <a:tblPr firstRow="1" bandRow="1">
-                <a:tableStyleId>{5C22544A-7EE6-4342-B048-85BDC9FD1C3A}</a:tableStyleId>
+                <a:tableStyleId>{21E4AEA4-8DFA-4A89-87EB-49C32662AFE0}</a:tableStyleId>
               </a:tblPr>
               <a:tblGrid>
                 <a:gridCol w="398700">
@@ -9259,7 +9660,7 @@
                   </a:txBody>
                   <a:tcPr>
                     <a:solidFill>
-                      <a:schemeClr val="accent1"/>
+                      <a:schemeClr val="accent2"/>
                     </a:solidFill>
                   </a:tcPr>
                 </a:tc>
@@ -9348,7 +9749,7 @@
                   </a:txBody>
                   <a:tcPr>
                     <a:solidFill>
-                      <a:schemeClr val="accent1"/>
+                      <a:schemeClr val="accent2"/>
                     </a:solidFill>
                   </a:tcPr>
                 </a:tc>
@@ -9437,7 +9838,7 @@
                   </a:txBody>
                   <a:tcPr>
                     <a:solidFill>
-                      <a:schemeClr val="accent1"/>
+                      <a:schemeClr val="accent2"/>
                     </a:solidFill>
                   </a:tcPr>
                 </a:tc>
@@ -9526,7 +9927,7 @@
                   </a:txBody>
                   <a:tcPr>
                     <a:solidFill>
-                      <a:schemeClr val="accent1"/>
+                      <a:schemeClr val="accent2"/>
                     </a:solidFill>
                   </a:tcPr>
                 </a:tc>
@@ -9615,7 +10016,7 @@
                   </a:txBody>
                   <a:tcPr>
                     <a:solidFill>
-                      <a:schemeClr val="accent1"/>
+                      <a:schemeClr val="accent2"/>
                     </a:solidFill>
                   </a:tcPr>
                 </a:tc>
@@ -9683,7 +10084,7 @@
                   </a:txBody>
                   <a:tcPr>
                     <a:solidFill>
-                      <a:schemeClr val="accent2"/>
+                      <a:srgbClr val="C00000"/>
                     </a:solidFill>
                   </a:tcPr>
                 </a:tc>
@@ -9705,7 +10106,7 @@
         </p:nvCxnSpPr>
         <p:spPr>
           <a:xfrm flipH="1" flipV="1">
-            <a:off x="2584580" y="5627817"/>
+            <a:off x="1841488" y="3953296"/>
             <a:ext cx="205273" cy="133544"/>
           </a:xfrm>
           <a:prstGeom prst="straightConnector1">
@@ -9738,7 +10139,7 @@
         </p:nvCxnSpPr>
         <p:spPr>
           <a:xfrm flipH="1" flipV="1">
-            <a:off x="2113384" y="5239041"/>
+            <a:off x="1370292" y="3564520"/>
             <a:ext cx="205273" cy="133544"/>
           </a:xfrm>
           <a:prstGeom prst="straightConnector1">
@@ -9771,7 +10172,7 @@
         </p:nvCxnSpPr>
         <p:spPr>
           <a:xfrm flipH="1" flipV="1">
-            <a:off x="1964096" y="4835968"/>
+            <a:off x="1221004" y="3161447"/>
             <a:ext cx="13994" cy="254201"/>
           </a:xfrm>
           <a:prstGeom prst="straightConnector1">
@@ -9804,106 +10205,7 @@
         </p:nvCxnSpPr>
         <p:spPr>
           <a:xfrm flipH="1" flipV="1">
-            <a:off x="1772817" y="4503192"/>
-            <a:ext cx="205273" cy="133544"/>
-          </a:xfrm>
-          <a:prstGeom prst="straightConnector1">
-            <a:avLst/>
-          </a:prstGeom>
-          <a:ln w="28575">
-            <a:tailEnd type="triangle"/>
-          </a:ln>
-        </p:spPr>
-        <p:style>
-          <a:lnRef idx="1">
-            <a:schemeClr val="dk1"/>
-          </a:lnRef>
-          <a:fillRef idx="0">
-            <a:schemeClr val="dk1"/>
-          </a:fillRef>
-          <a:effectRef idx="0">
-            <a:schemeClr val="dk1"/>
-          </a:effectRef>
-          <a:fontRef idx="minor">
-            <a:schemeClr val="tx1"/>
-          </a:fontRef>
-        </p:style>
-      </p:cxnSp>
-      <p:cxnSp>
-        <p:nvCxnSpPr>
-          <p:cNvPr id="32" name="Gerade Verbindung mit Pfeil 31"/>
-          <p:cNvCxnSpPr/>
-          <p:nvPr/>
-        </p:nvCxnSpPr>
-        <p:spPr>
-          <a:xfrm flipH="1" flipV="1">
-            <a:off x="6587412" y="5220486"/>
-            <a:ext cx="9330" cy="304197"/>
-          </a:xfrm>
-          <a:prstGeom prst="straightConnector1">
-            <a:avLst/>
-          </a:prstGeom>
-          <a:ln w="28575">
-            <a:tailEnd type="triangle"/>
-          </a:ln>
-        </p:spPr>
-        <p:style>
-          <a:lnRef idx="1">
-            <a:schemeClr val="dk1"/>
-          </a:lnRef>
-          <a:fillRef idx="0">
-            <a:schemeClr val="dk1"/>
-          </a:fillRef>
-          <a:effectRef idx="0">
-            <a:schemeClr val="dk1"/>
-          </a:effectRef>
-          <a:fontRef idx="minor">
-            <a:schemeClr val="tx1"/>
-          </a:fontRef>
-        </p:style>
-      </p:cxnSp>
-      <p:cxnSp>
-        <p:nvCxnSpPr>
-          <p:cNvPr id="34" name="Gerade Verbindung mit Pfeil 33"/>
-          <p:cNvCxnSpPr/>
-          <p:nvPr/>
-        </p:nvCxnSpPr>
-        <p:spPr>
-          <a:xfrm flipH="1" flipV="1">
-            <a:off x="6382139" y="4909459"/>
-            <a:ext cx="205273" cy="133544"/>
-          </a:xfrm>
-          <a:prstGeom prst="straightConnector1">
-            <a:avLst/>
-          </a:prstGeom>
-          <a:ln w="28575">
-            <a:tailEnd type="triangle"/>
-          </a:ln>
-        </p:spPr>
-        <p:style>
-          <a:lnRef idx="1">
-            <a:schemeClr val="dk1"/>
-          </a:lnRef>
-          <a:fillRef idx="0">
-            <a:schemeClr val="dk1"/>
-          </a:fillRef>
-          <a:effectRef idx="0">
-            <a:schemeClr val="dk1"/>
-          </a:effectRef>
-          <a:fontRef idx="minor">
-            <a:schemeClr val="tx1"/>
-          </a:fontRef>
-        </p:style>
-      </p:cxnSp>
-      <p:cxnSp>
-        <p:nvCxnSpPr>
-          <p:cNvPr id="35" name="Gerade Verbindung mit Pfeil 34"/>
-          <p:cNvCxnSpPr/>
-          <p:nvPr/>
-        </p:nvCxnSpPr>
-        <p:spPr>
-          <a:xfrm flipH="1" flipV="1">
-            <a:off x="5907904" y="4503192"/>
+            <a:off x="1029725" y="2828671"/>
             <a:ext cx="205273" cy="133544"/>
           </a:xfrm>
           <a:prstGeom prst="straightConnector1">
@@ -9937,20 +10239,20 @@
           <p:nvPr>
             <p:extLst>
               <p:ext uri="{D42A27DB-BD31-4B8C-83A1-F6EECF244321}">
-                <p14:modId xmlns:p14="http://schemas.microsoft.com/office/powerpoint/2010/main" val="2432058140"/>
+                <p14:modId xmlns:p14="http://schemas.microsoft.com/office/powerpoint/2010/main" val="3415183738"/>
               </p:ext>
             </p:extLst>
           </p:nvPr>
         </p:nvGraphicFramePr>
         <p:xfrm>
-          <a:off x="8910948" y="3865789"/>
-          <a:ext cx="2491875" cy="1828800"/>
+          <a:off x="6880199" y="2191268"/>
+          <a:ext cx="2491875" cy="2194560"/>
         </p:xfrm>
         <a:graphic>
           <a:graphicData uri="http://schemas.openxmlformats.org/drawingml/2006/table">
             <a:tbl>
               <a:tblPr firstRow="1" bandRow="1">
-                <a:tableStyleId>{5C22544A-7EE6-4342-B048-85BDC9FD1C3A}</a:tableStyleId>
+                <a:tableStyleId>{00A15C55-8517-42AA-B614-E9B94910E393}</a:tableStyleId>
               </a:tblPr>
               <a:tblGrid>
                 <a:gridCol w="498375">
@@ -9989,7 +10291,7 @@
                   </a:extLst>
                 </a:gridCol>
               </a:tblGrid>
-              <a:tr h="333431">
+              <a:tr h="337380">
                 <a:tc>
                   <a:txBody>
                     <a:bodyPr/>
@@ -10062,7 +10364,7 @@
                   </a:ext>
                 </a:extLst>
               </a:tr>
-              <a:tr h="333431">
+              <a:tr h="337380">
                 <a:tc>
                   <a:txBody>
                     <a:bodyPr/>
@@ -10085,7 +10387,7 @@
                   </a:txBody>
                   <a:tcPr>
                     <a:solidFill>
-                      <a:schemeClr val="accent1"/>
+                      <a:schemeClr val="accent4"/>
                     </a:solidFill>
                   </a:tcPr>
                 </a:tc>
@@ -10094,6 +10396,7 @@
                     <a:bodyPr/>
                     <a:lstStyle/>
                     <a:p>
+                      <a:pPr algn="ctr"/>
                       <a:r>
                         <a:rPr lang="de-DE" dirty="0" smtClean="0"/>
                         <a:t>0</a:t>
@@ -10108,6 +10411,7 @@
                     <a:bodyPr/>
                     <a:lstStyle/>
                     <a:p>
+                      <a:pPr algn="ctr"/>
                       <a:r>
                         <a:rPr lang="de-DE" dirty="0" smtClean="0"/>
                         <a:t>-2</a:t>
@@ -10122,6 +10426,7 @@
                     <a:bodyPr/>
                     <a:lstStyle/>
                     <a:p>
+                      <a:pPr algn="ctr"/>
                       <a:r>
                         <a:rPr lang="de-DE" dirty="0" smtClean="0"/>
                         <a:t>-4</a:t>
@@ -10136,6 +10441,7 @@
                     <a:bodyPr/>
                     <a:lstStyle/>
                     <a:p>
+                      <a:pPr algn="ctr"/>
                       <a:r>
                         <a:rPr lang="de-DE" dirty="0" smtClean="0"/>
                         <a:t>-6</a:t>
@@ -10151,7 +10457,7 @@
                   </a:ext>
                 </a:extLst>
               </a:tr>
-              <a:tr h="333431">
+              <a:tr h="337380">
                 <a:tc>
                   <a:txBody>
                     <a:bodyPr/>
@@ -10174,7 +10480,7 @@
                   </a:txBody>
                   <a:tcPr>
                     <a:solidFill>
-                      <a:schemeClr val="accent1"/>
+                      <a:schemeClr val="accent4"/>
                     </a:solidFill>
                   </a:tcPr>
                 </a:tc>
@@ -10183,6 +10489,7 @@
                     <a:bodyPr/>
                     <a:lstStyle/>
                     <a:p>
+                      <a:pPr algn="ctr"/>
                       <a:r>
                         <a:rPr lang="de-DE" dirty="0" smtClean="0"/>
                         <a:t>-2</a:t>
@@ -10197,6 +10504,7 @@
                     <a:bodyPr/>
                     <a:lstStyle/>
                     <a:p>
+                      <a:pPr algn="ctr"/>
                       <a:r>
                         <a:rPr lang="de-DE" dirty="0" smtClean="0"/>
                         <a:t>2</a:t>
@@ -10211,6 +10519,7 @@
                     <a:bodyPr/>
                     <a:lstStyle/>
                     <a:p>
+                      <a:pPr algn="ctr"/>
                       <a:r>
                         <a:rPr lang="de-DE" dirty="0" smtClean="0"/>
                         <a:t>0</a:t>
@@ -10225,6 +10534,7 @@
                     <a:bodyPr/>
                     <a:lstStyle/>
                     <a:p>
+                      <a:pPr algn="ctr"/>
                       <a:r>
                         <a:rPr lang="de-DE" dirty="0" smtClean="0"/>
                         <a:t>-2</a:t>
@@ -10240,7 +10550,100 @@
                   </a:ext>
                 </a:extLst>
               </a:tr>
-              <a:tr h="0">
+              <a:tr h="337380">
+                <a:tc>
+                  <a:txBody>
+                    <a:bodyPr/>
+                    <a:lstStyle/>
+                    <a:p>
+                      <a:r>
+                        <a:rPr lang="de-DE" dirty="0" smtClean="0">
+                          <a:solidFill>
+                            <a:schemeClr val="bg1"/>
+                          </a:solidFill>
+                        </a:rPr>
+                        <a:t>-</a:t>
+                      </a:r>
+                      <a:endParaRPr lang="de-DE" dirty="0">
+                        <a:solidFill>
+                          <a:schemeClr val="bg1"/>
+                        </a:solidFill>
+                      </a:endParaRPr>
+                    </a:p>
+                  </a:txBody>
+                  <a:tcPr>
+                    <a:solidFill>
+                      <a:schemeClr val="accent4"/>
+                    </a:solidFill>
+                  </a:tcPr>
+                </a:tc>
+                <a:tc>
+                  <a:txBody>
+                    <a:bodyPr/>
+                    <a:lstStyle/>
+                    <a:p>
+                      <a:pPr algn="ctr"/>
+                      <a:r>
+                        <a:rPr lang="de-DE" dirty="0" smtClean="0"/>
+                        <a:t>-4</a:t>
+                      </a:r>
+                      <a:endParaRPr lang="de-DE" dirty="0"/>
+                    </a:p>
+                  </a:txBody>
+                  <a:tcPr/>
+                </a:tc>
+                <a:tc>
+                  <a:txBody>
+                    <a:bodyPr/>
+                    <a:lstStyle/>
+                    <a:p>
+                      <a:pPr algn="ctr"/>
+                      <a:r>
+                        <a:rPr lang="de-DE" dirty="0" smtClean="0"/>
+                        <a:t>0</a:t>
+                      </a:r>
+                      <a:endParaRPr lang="de-DE" dirty="0"/>
+                    </a:p>
+                  </a:txBody>
+                  <a:tcPr/>
+                </a:tc>
+                <a:tc>
+                  <a:txBody>
+                    <a:bodyPr/>
+                    <a:lstStyle/>
+                    <a:p>
+                      <a:pPr algn="ctr"/>
+                      <a:r>
+                        <a:rPr lang="de-DE" dirty="0" smtClean="0"/>
+                        <a:t>0</a:t>
+                      </a:r>
+                      <a:endParaRPr lang="de-DE" dirty="0"/>
+                    </a:p>
+                  </a:txBody>
+                  <a:tcPr/>
+                </a:tc>
+                <a:tc>
+                  <a:txBody>
+                    <a:bodyPr/>
+                    <a:lstStyle/>
+                    <a:p>
+                      <a:pPr algn="ctr"/>
+                      <a:r>
+                        <a:rPr lang="de-DE" dirty="0" smtClean="0"/>
+                        <a:t>0</a:t>
+                      </a:r>
+                      <a:endParaRPr lang="de-DE" dirty="0"/>
+                    </a:p>
+                  </a:txBody>
+                  <a:tcPr/>
+                </a:tc>
+                <a:extLst>
+                  <a:ext uri="{0D108BD9-81ED-4DB2-BD59-A6C34878D82A}">
+                    <a16:rowId xmlns:a16="http://schemas.microsoft.com/office/drawing/2014/main" val="3792904926"/>
+                  </a:ext>
+                </a:extLst>
+              </a:tr>
+              <a:tr h="337380">
                 <a:tc>
                   <a:txBody>
                     <a:bodyPr/>
@@ -10263,7 +10666,7 @@
                   </a:txBody>
                   <a:tcPr>
                     <a:solidFill>
-                      <a:schemeClr val="accent1"/>
+                      <a:schemeClr val="accent4"/>
                     </a:solidFill>
                   </a:tcPr>
                 </a:tc>
@@ -10272,48 +10675,52 @@
                     <a:bodyPr/>
                     <a:lstStyle/>
                     <a:p>
-                      <a:r>
-                        <a:rPr lang="de-DE" dirty="0" smtClean="0"/>
-                        <a:t>-4</a:t>
-                      </a:r>
-                      <a:endParaRPr lang="de-DE" dirty="0"/>
-                    </a:p>
-                  </a:txBody>
-                  <a:tcPr/>
-                </a:tc>
-                <a:tc>
-                  <a:txBody>
-                    <a:bodyPr/>
-                    <a:lstStyle/>
-                    <a:p>
-                      <a:r>
-                        <a:rPr lang="de-DE" dirty="0" smtClean="0"/>
-                        <a:t>0</a:t>
-                      </a:r>
-                      <a:endParaRPr lang="de-DE" dirty="0"/>
-                    </a:p>
-                  </a:txBody>
-                  <a:tcPr/>
-                </a:tc>
-                <a:tc>
-                  <a:txBody>
-                    <a:bodyPr/>
-                    <a:lstStyle/>
-                    <a:p>
-                      <a:r>
-                        <a:rPr lang="de-DE" dirty="0" smtClean="0"/>
-                        <a:t>0</a:t>
-                      </a:r>
-                      <a:endParaRPr lang="de-DE" dirty="0"/>
-                    </a:p>
-                  </a:txBody>
-                  <a:tcPr/>
-                </a:tc>
-                <a:tc>
-                  <a:txBody>
-                    <a:bodyPr/>
-                    <a:lstStyle/>
-                    <a:p>
+                      <a:pPr algn="ctr"/>
+                      <a:r>
+                        <a:rPr lang="de-DE" dirty="0" smtClean="0"/>
+                        <a:t>-6</a:t>
+                      </a:r>
+                      <a:endParaRPr lang="de-DE" dirty="0"/>
+                    </a:p>
+                  </a:txBody>
+                  <a:tcPr/>
+                </a:tc>
+                <a:tc>
+                  <a:txBody>
+                    <a:bodyPr/>
+                    <a:lstStyle/>
+                    <a:p>
+                      <a:pPr algn="ctr"/>
+                      <a:r>
+                        <a:rPr lang="de-DE" dirty="0" smtClean="0"/>
+                        <a:t>-2</a:t>
+                      </a:r>
+                      <a:endParaRPr lang="de-DE" dirty="0"/>
+                    </a:p>
+                  </a:txBody>
+                  <a:tcPr/>
+                </a:tc>
+                <a:tc>
+                  <a:txBody>
+                    <a:bodyPr/>
+                    <a:lstStyle/>
+                    <a:p>
+                      <a:pPr algn="ctr"/>
+                      <a:r>
+                        <a:rPr lang="de-DE" dirty="0" smtClean="0"/>
+                        <a:t>-2</a:t>
+                      </a:r>
+                      <a:endParaRPr lang="de-DE" dirty="0"/>
+                    </a:p>
+                  </a:txBody>
+                  <a:tcPr/>
+                </a:tc>
+                <a:tc>
+                  <a:txBody>
+                    <a:bodyPr/>
+                    <a:lstStyle/>
+                    <a:p>
+                      <a:pPr algn="ctr"/>
                       <a:r>
                         <a:rPr lang="de-DE" dirty="0" smtClean="0"/>
                         <a:t>-2</a:t>
@@ -10329,7 +10736,7 @@
                   </a:ext>
                 </a:extLst>
               </a:tr>
-              <a:tr h="333431">
+              <a:tr h="337380">
                 <a:tc>
                   <a:txBody>
                     <a:bodyPr/>
@@ -10352,7 +10759,7 @@
                   </a:txBody>
                   <a:tcPr>
                     <a:solidFill>
-                      <a:schemeClr val="accent1"/>
+                      <a:schemeClr val="accent4"/>
                     </a:solidFill>
                   </a:tcPr>
                 </a:tc>
@@ -10361,55 +10768,59 @@
                     <a:bodyPr/>
                     <a:lstStyle/>
                     <a:p>
-                      <a:r>
-                        <a:rPr lang="de-DE" dirty="0" smtClean="0"/>
-                        <a:t>-6</a:t>
-                      </a:r>
-                      <a:endParaRPr lang="de-DE" dirty="0"/>
-                    </a:p>
-                  </a:txBody>
-                  <a:tcPr/>
-                </a:tc>
-                <a:tc>
-                  <a:txBody>
-                    <a:bodyPr/>
-                    <a:lstStyle/>
-                    <a:p>
-                      <a:r>
-                        <a:rPr lang="de-DE" dirty="0" smtClean="0"/>
-                        <a:t>-2</a:t>
-                      </a:r>
-                      <a:endParaRPr lang="de-DE" dirty="0"/>
-                    </a:p>
-                  </a:txBody>
-                  <a:tcPr/>
-                </a:tc>
-                <a:tc>
-                  <a:txBody>
-                    <a:bodyPr/>
-                    <a:lstStyle/>
-                    <a:p>
-                      <a:r>
-                        <a:rPr lang="de-DE" dirty="0" smtClean="0"/>
-                        <a:t>2</a:t>
-                      </a:r>
-                      <a:endParaRPr lang="de-DE" dirty="0"/>
-                    </a:p>
-                  </a:txBody>
-                  <a:tcPr/>
-                </a:tc>
-                <a:tc>
-                  <a:txBody>
-                    <a:bodyPr/>
-                    <a:lstStyle/>
-                    <a:p>
+                      <a:pPr algn="ctr"/>
+                      <a:r>
+                        <a:rPr lang="de-DE" dirty="0" smtClean="0"/>
+                        <a:t>-8</a:t>
+                      </a:r>
+                      <a:endParaRPr lang="de-DE" dirty="0"/>
+                    </a:p>
+                  </a:txBody>
+                  <a:tcPr/>
+                </a:tc>
+                <a:tc>
+                  <a:txBody>
+                    <a:bodyPr/>
+                    <a:lstStyle/>
+                    <a:p>
+                      <a:pPr algn="ctr"/>
+                      <a:r>
+                        <a:rPr lang="de-DE" dirty="0" smtClean="0"/>
+                        <a:t>-4</a:t>
+                      </a:r>
+                      <a:endParaRPr lang="de-DE" dirty="0"/>
+                    </a:p>
+                  </a:txBody>
+                  <a:tcPr/>
+                </a:tc>
+                <a:tc>
+                  <a:txBody>
+                    <a:bodyPr/>
+                    <a:lstStyle/>
+                    <a:p>
+                      <a:pPr algn="ctr"/>
+                      <a:r>
+                        <a:rPr lang="de-DE" dirty="0" smtClean="0"/>
+                        <a:t>0</a:t>
+                      </a:r>
+                      <a:endParaRPr lang="de-DE" dirty="0"/>
+                    </a:p>
+                  </a:txBody>
+                  <a:tcPr/>
+                </a:tc>
+                <a:tc>
+                  <a:txBody>
+                    <a:bodyPr/>
+                    <a:lstStyle/>
+                    <a:p>
+                      <a:pPr algn="ctr"/>
                       <a:r>
                         <a:rPr lang="de-DE" dirty="0" smtClean="0">
                           <a:solidFill>
                             <a:schemeClr val="bg1"/>
                           </a:solidFill>
                         </a:rPr>
-                        <a:t>2</a:t>
+                        <a:t>0</a:t>
                       </a:r>
                       <a:endParaRPr lang="de-DE" dirty="0">
                         <a:solidFill>
@@ -10420,7 +10831,7 @@
                   </a:txBody>
                   <a:tcPr>
                     <a:solidFill>
-                      <a:schemeClr val="accent2"/>
+                      <a:srgbClr val="C00000"/>
                     </a:solidFill>
                   </a:tcPr>
                 </a:tc>
@@ -10436,105 +10847,6 @@
       </p:graphicFrame>
       <p:cxnSp>
         <p:nvCxnSpPr>
-          <p:cNvPr id="38" name="Gerade Verbindung mit Pfeil 37"/>
-          <p:cNvCxnSpPr/>
-          <p:nvPr/>
-        </p:nvCxnSpPr>
-        <p:spPr>
-          <a:xfrm flipH="1" flipV="1">
-            <a:off x="10789298" y="5264146"/>
-            <a:ext cx="205273" cy="133544"/>
-          </a:xfrm>
-          <a:prstGeom prst="straightConnector1">
-            <a:avLst/>
-          </a:prstGeom>
-          <a:ln w="28575">
-            <a:tailEnd type="triangle"/>
-          </a:ln>
-        </p:spPr>
-        <p:style>
-          <a:lnRef idx="1">
-            <a:schemeClr val="dk1"/>
-          </a:lnRef>
-          <a:fillRef idx="0">
-            <a:schemeClr val="dk1"/>
-          </a:fillRef>
-          <a:effectRef idx="0">
-            <a:schemeClr val="dk1"/>
-          </a:effectRef>
-          <a:fontRef idx="minor">
-            <a:schemeClr val="tx1"/>
-          </a:fontRef>
-        </p:style>
-      </p:cxnSp>
-      <p:cxnSp>
-        <p:nvCxnSpPr>
-          <p:cNvPr id="39" name="Gerade Verbindung mit Pfeil 38"/>
-          <p:cNvCxnSpPr/>
-          <p:nvPr/>
-        </p:nvCxnSpPr>
-        <p:spPr>
-          <a:xfrm flipH="1" flipV="1">
-            <a:off x="10294775" y="4909459"/>
-            <a:ext cx="205273" cy="133544"/>
-          </a:xfrm>
-          <a:prstGeom prst="straightConnector1">
-            <a:avLst/>
-          </a:prstGeom>
-          <a:ln w="28575">
-            <a:tailEnd type="triangle"/>
-          </a:ln>
-        </p:spPr>
-        <p:style>
-          <a:lnRef idx="1">
-            <a:schemeClr val="dk1"/>
-          </a:lnRef>
-          <a:fillRef idx="0">
-            <a:schemeClr val="dk1"/>
-          </a:fillRef>
-          <a:effectRef idx="0">
-            <a:schemeClr val="dk1"/>
-          </a:effectRef>
-          <a:fontRef idx="minor">
-            <a:schemeClr val="tx1"/>
-          </a:fontRef>
-        </p:style>
-      </p:cxnSp>
-      <p:cxnSp>
-        <p:nvCxnSpPr>
-          <p:cNvPr id="40" name="Gerade Verbindung mit Pfeil 39"/>
-          <p:cNvCxnSpPr/>
-          <p:nvPr/>
-        </p:nvCxnSpPr>
-        <p:spPr>
-          <a:xfrm flipH="1" flipV="1">
-            <a:off x="9815805" y="4503192"/>
-            <a:ext cx="205273" cy="133544"/>
-          </a:xfrm>
-          <a:prstGeom prst="straightConnector1">
-            <a:avLst/>
-          </a:prstGeom>
-          <a:ln w="28575">
-            <a:tailEnd type="triangle"/>
-          </a:ln>
-        </p:spPr>
-        <p:style>
-          <a:lnRef idx="1">
-            <a:schemeClr val="dk1"/>
-          </a:lnRef>
-          <a:fillRef idx="0">
-            <a:schemeClr val="dk1"/>
-          </a:fillRef>
-          <a:effectRef idx="0">
-            <a:schemeClr val="dk1"/>
-          </a:effectRef>
-          <a:fontRef idx="minor">
-            <a:schemeClr val="tx1"/>
-          </a:fontRef>
-        </p:style>
-      </p:cxnSp>
-      <p:cxnSp>
-        <p:nvCxnSpPr>
           <p:cNvPr id="42" name="Gerade Verbindung mit Pfeil 41"/>
           <p:cNvCxnSpPr>
             <a:stCxn id="6" idx="3"/>
@@ -10543,7 +10855,7 @@
         </p:nvCxnSpPr>
         <p:spPr>
           <a:xfrm flipV="1">
-            <a:off x="2509935" y="2777114"/>
+            <a:off x="2494471" y="1441806"/>
             <a:ext cx="2883159" cy="2"/>
           </a:xfrm>
           <a:prstGeom prst="straightConnector1">
@@ -10576,7 +10888,7 @@
         </p:nvCxnSpPr>
         <p:spPr>
           <a:xfrm flipV="1">
-            <a:off x="6587412" y="2785423"/>
+            <a:off x="6587412" y="1441808"/>
             <a:ext cx="2883159" cy="2"/>
           </a:xfrm>
           <a:prstGeom prst="straightConnector1">
@@ -10609,7 +10921,7 @@
         </p:nvCxnSpPr>
         <p:spPr>
           <a:xfrm>
-            <a:off x="3816220" y="2015412"/>
+            <a:off x="3816220" y="671797"/>
             <a:ext cx="1576874" cy="770011"/>
           </a:xfrm>
           <a:prstGeom prst="curvedConnector3">
@@ -10642,7 +10954,7 @@
         </p:nvSpPr>
         <p:spPr>
           <a:xfrm>
-            <a:off x="7137919" y="1815926"/>
+            <a:off x="7137919" y="472311"/>
             <a:ext cx="1268964" cy="369332"/>
           </a:xfrm>
           <a:prstGeom prst="rect">
@@ -10671,13 +10983,2026 @@
         </p:nvCxnSpPr>
         <p:spPr>
           <a:xfrm>
-            <a:off x="7893697" y="2026931"/>
+            <a:off x="7893697" y="683316"/>
             <a:ext cx="1576874" cy="770011"/>
           </a:xfrm>
           <a:prstGeom prst="curvedConnector3">
             <a:avLst/>
           </a:prstGeom>
           <a:ln>
+            <a:tailEnd type="triangle"/>
+          </a:ln>
+        </p:spPr>
+        <p:style>
+          <a:lnRef idx="1">
+            <a:schemeClr val="dk1"/>
+          </a:lnRef>
+          <a:fillRef idx="0">
+            <a:schemeClr val="dk1"/>
+          </a:fillRef>
+          <a:effectRef idx="0">
+            <a:schemeClr val="dk1"/>
+          </a:effectRef>
+          <a:fontRef idx="minor">
+            <a:schemeClr val="tx1"/>
+          </a:fontRef>
+        </p:style>
+      </p:cxnSp>
+      <p:graphicFrame>
+        <p:nvGraphicFramePr>
+          <p:cNvPr id="25" name="Tabelle 24"/>
+          <p:cNvGraphicFramePr>
+            <a:graphicFrameLocks noGrp="1"/>
+          </p:cNvGraphicFramePr>
+          <p:nvPr>
+            <p:extLst>
+              <p:ext uri="{D42A27DB-BD31-4B8C-83A1-F6EECF244321}">
+                <p14:modId xmlns:p14="http://schemas.microsoft.com/office/powerpoint/2010/main" val="2871931212"/>
+              </p:ext>
+            </p:extLst>
+          </p:nvPr>
+        </p:nvGraphicFramePr>
+        <p:xfrm>
+          <a:off x="3816220" y="4598767"/>
+          <a:ext cx="1993500" cy="2194560"/>
+        </p:xfrm>
+        <a:graphic>
+          <a:graphicData uri="http://schemas.openxmlformats.org/drawingml/2006/table">
+            <a:tbl>
+              <a:tblPr firstRow="1" bandRow="1">
+                <a:tableStyleId>{93296810-A885-4BE3-A3E7-6D5BEEA58F35}</a:tableStyleId>
+              </a:tblPr>
+              <a:tblGrid>
+                <a:gridCol w="498375">
+                  <a:extLst>
+                    <a:ext uri="{9D8B030D-6E8A-4147-A177-3AD203B41FA5}">
+                      <a16:colId xmlns:a16="http://schemas.microsoft.com/office/drawing/2014/main" val="4145263170"/>
+                    </a:ext>
+                  </a:extLst>
+                </a:gridCol>
+                <a:gridCol w="498375">
+                  <a:extLst>
+                    <a:ext uri="{9D8B030D-6E8A-4147-A177-3AD203B41FA5}">
+                      <a16:colId xmlns:a16="http://schemas.microsoft.com/office/drawing/2014/main" val="216707943"/>
+                    </a:ext>
+                  </a:extLst>
+                </a:gridCol>
+                <a:gridCol w="498375">
+                  <a:extLst>
+                    <a:ext uri="{9D8B030D-6E8A-4147-A177-3AD203B41FA5}">
+                      <a16:colId xmlns:a16="http://schemas.microsoft.com/office/drawing/2014/main" val="1990811541"/>
+                    </a:ext>
+                  </a:extLst>
+                </a:gridCol>
+                <a:gridCol w="498375">
+                  <a:extLst>
+                    <a:ext uri="{9D8B030D-6E8A-4147-A177-3AD203B41FA5}">
+                      <a16:colId xmlns:a16="http://schemas.microsoft.com/office/drawing/2014/main" val="2246674802"/>
+                    </a:ext>
+                  </a:extLst>
+                </a:gridCol>
+              </a:tblGrid>
+              <a:tr h="333431">
+                <a:tc>
+                  <a:txBody>
+                    <a:bodyPr/>
+                    <a:lstStyle/>
+                    <a:p>
+                      <a:endParaRPr lang="de-DE" dirty="0"/>
+                    </a:p>
+                  </a:txBody>
+                  <a:tcPr/>
+                </a:tc>
+                <a:tc>
+                  <a:txBody>
+                    <a:bodyPr/>
+                    <a:lstStyle/>
+                    <a:p>
+                      <a:r>
+                        <a:rPr lang="de-DE" dirty="0" smtClean="0"/>
+                        <a:t>0</a:t>
+                      </a:r>
+                      <a:endParaRPr lang="de-DE" dirty="0"/>
+                    </a:p>
+                  </a:txBody>
+                  <a:tcPr/>
+                </a:tc>
+                <a:tc>
+                  <a:txBody>
+                    <a:bodyPr/>
+                    <a:lstStyle/>
+                    <a:p>
+                      <a:r>
+                        <a:rPr lang="de-DE" dirty="0" smtClean="0"/>
+                        <a:t>T</a:t>
+                      </a:r>
+                      <a:endParaRPr lang="de-DE" dirty="0"/>
+                    </a:p>
+                  </a:txBody>
+                  <a:tcPr/>
+                </a:tc>
+                <a:tc>
+                  <a:txBody>
+                    <a:bodyPr/>
+                    <a:lstStyle/>
+                    <a:p>
+                      <a:r>
+                        <a:rPr lang="de-DE" dirty="0" smtClean="0"/>
+                        <a:t>C</a:t>
+                      </a:r>
+                      <a:endParaRPr lang="de-DE" dirty="0"/>
+                    </a:p>
+                  </a:txBody>
+                  <a:tcPr/>
+                </a:tc>
+                <a:extLst>
+                  <a:ext uri="{0D108BD9-81ED-4DB2-BD59-A6C34878D82A}">
+                    <a16:rowId xmlns:a16="http://schemas.microsoft.com/office/drawing/2014/main" val="29739558"/>
+                  </a:ext>
+                </a:extLst>
+              </a:tr>
+              <a:tr h="333431">
+                <a:tc>
+                  <a:txBody>
+                    <a:bodyPr/>
+                    <a:lstStyle/>
+                    <a:p>
+                      <a:r>
+                        <a:rPr lang="de-DE" dirty="0" smtClean="0">
+                          <a:solidFill>
+                            <a:schemeClr val="bg1"/>
+                          </a:solidFill>
+                        </a:rPr>
+                        <a:t>0</a:t>
+                      </a:r>
+                      <a:endParaRPr lang="de-DE" dirty="0">
+                        <a:solidFill>
+                          <a:schemeClr val="bg1"/>
+                        </a:solidFill>
+                      </a:endParaRPr>
+                    </a:p>
+                  </a:txBody>
+                  <a:tcPr>
+                    <a:solidFill>
+                      <a:schemeClr val="accent6"/>
+                    </a:solidFill>
+                  </a:tcPr>
+                </a:tc>
+                <a:tc>
+                  <a:txBody>
+                    <a:bodyPr/>
+                    <a:lstStyle/>
+                    <a:p>
+                      <a:pPr algn="ctr"/>
+                      <a:r>
+                        <a:rPr lang="de-DE" dirty="0" smtClean="0"/>
+                        <a:t>0</a:t>
+                      </a:r>
+                      <a:endParaRPr lang="de-DE" dirty="0"/>
+                    </a:p>
+                  </a:txBody>
+                  <a:tcPr/>
+                </a:tc>
+                <a:tc>
+                  <a:txBody>
+                    <a:bodyPr/>
+                    <a:lstStyle/>
+                    <a:p>
+                      <a:pPr algn="ctr"/>
+                      <a:r>
+                        <a:rPr lang="de-DE" dirty="0" smtClean="0"/>
+                        <a:t>-2</a:t>
+                      </a:r>
+                      <a:endParaRPr lang="de-DE" dirty="0"/>
+                    </a:p>
+                  </a:txBody>
+                  <a:tcPr/>
+                </a:tc>
+                <a:tc>
+                  <a:txBody>
+                    <a:bodyPr/>
+                    <a:lstStyle/>
+                    <a:p>
+                      <a:pPr algn="ctr"/>
+                      <a:r>
+                        <a:rPr lang="de-DE" dirty="0" smtClean="0"/>
+                        <a:t>-4</a:t>
+                      </a:r>
+                      <a:endParaRPr lang="de-DE" dirty="0"/>
+                    </a:p>
+                  </a:txBody>
+                  <a:tcPr/>
+                </a:tc>
+                <a:extLst>
+                  <a:ext uri="{0D108BD9-81ED-4DB2-BD59-A6C34878D82A}">
+                    <a16:rowId xmlns:a16="http://schemas.microsoft.com/office/drawing/2014/main" val="4022524043"/>
+                  </a:ext>
+                </a:extLst>
+              </a:tr>
+              <a:tr h="333431">
+                <a:tc>
+                  <a:txBody>
+                    <a:bodyPr/>
+                    <a:lstStyle/>
+                    <a:p>
+                      <a:r>
+                        <a:rPr lang="de-DE" dirty="0" smtClean="0">
+                          <a:solidFill>
+                            <a:schemeClr val="bg1"/>
+                          </a:solidFill>
+                        </a:rPr>
+                        <a:t>C</a:t>
+                      </a:r>
+                      <a:endParaRPr lang="de-DE" dirty="0">
+                        <a:solidFill>
+                          <a:schemeClr val="bg1"/>
+                        </a:solidFill>
+                      </a:endParaRPr>
+                    </a:p>
+                  </a:txBody>
+                  <a:tcPr>
+                    <a:solidFill>
+                      <a:schemeClr val="accent6"/>
+                    </a:solidFill>
+                  </a:tcPr>
+                </a:tc>
+                <a:tc>
+                  <a:txBody>
+                    <a:bodyPr/>
+                    <a:lstStyle/>
+                    <a:p>
+                      <a:pPr algn="ctr"/>
+                      <a:r>
+                        <a:rPr lang="de-DE" dirty="0" smtClean="0"/>
+                        <a:t>-2</a:t>
+                      </a:r>
+                      <a:endParaRPr lang="de-DE" dirty="0"/>
+                    </a:p>
+                  </a:txBody>
+                  <a:tcPr/>
+                </a:tc>
+                <a:tc>
+                  <a:txBody>
+                    <a:bodyPr/>
+                    <a:lstStyle/>
+                    <a:p>
+                      <a:pPr algn="ctr"/>
+                      <a:r>
+                        <a:rPr lang="de-DE" dirty="0" smtClean="0"/>
+                        <a:t>-2</a:t>
+                      </a:r>
+                      <a:endParaRPr lang="de-DE" dirty="0"/>
+                    </a:p>
+                  </a:txBody>
+                  <a:tcPr/>
+                </a:tc>
+                <a:tc>
+                  <a:txBody>
+                    <a:bodyPr/>
+                    <a:lstStyle/>
+                    <a:p>
+                      <a:pPr algn="ctr"/>
+                      <a:r>
+                        <a:rPr lang="de-DE" dirty="0" smtClean="0"/>
+                        <a:t>0</a:t>
+                      </a:r>
+                      <a:endParaRPr lang="de-DE" dirty="0"/>
+                    </a:p>
+                  </a:txBody>
+                  <a:tcPr/>
+                </a:tc>
+                <a:extLst>
+                  <a:ext uri="{0D108BD9-81ED-4DB2-BD59-A6C34878D82A}">
+                    <a16:rowId xmlns:a16="http://schemas.microsoft.com/office/drawing/2014/main" val="1427704915"/>
+                  </a:ext>
+                </a:extLst>
+              </a:tr>
+              <a:tr h="333431">
+                <a:tc>
+                  <a:txBody>
+                    <a:bodyPr/>
+                    <a:lstStyle/>
+                    <a:p>
+                      <a:r>
+                        <a:rPr lang="de-DE" dirty="0" smtClean="0">
+                          <a:solidFill>
+                            <a:schemeClr val="bg1"/>
+                          </a:solidFill>
+                        </a:rPr>
+                        <a:t>A</a:t>
+                      </a:r>
+                      <a:endParaRPr lang="de-DE" dirty="0">
+                        <a:solidFill>
+                          <a:schemeClr val="bg1"/>
+                        </a:solidFill>
+                      </a:endParaRPr>
+                    </a:p>
+                  </a:txBody>
+                  <a:tcPr>
+                    <a:solidFill>
+                      <a:schemeClr val="accent6"/>
+                    </a:solidFill>
+                  </a:tcPr>
+                </a:tc>
+                <a:tc>
+                  <a:txBody>
+                    <a:bodyPr/>
+                    <a:lstStyle/>
+                    <a:p>
+                      <a:pPr algn="ctr"/>
+                      <a:r>
+                        <a:rPr lang="de-DE" dirty="0" smtClean="0"/>
+                        <a:t>-4</a:t>
+                      </a:r>
+                      <a:endParaRPr lang="de-DE" dirty="0"/>
+                    </a:p>
+                  </a:txBody>
+                  <a:tcPr/>
+                </a:tc>
+                <a:tc>
+                  <a:txBody>
+                    <a:bodyPr/>
+                    <a:lstStyle/>
+                    <a:p>
+                      <a:pPr algn="ctr"/>
+                      <a:r>
+                        <a:rPr lang="de-DE" dirty="0" smtClean="0"/>
+                        <a:t>-4</a:t>
+                      </a:r>
+                      <a:endParaRPr lang="de-DE" dirty="0"/>
+                    </a:p>
+                  </a:txBody>
+                  <a:tcPr/>
+                </a:tc>
+                <a:tc>
+                  <a:txBody>
+                    <a:bodyPr/>
+                    <a:lstStyle/>
+                    <a:p>
+                      <a:pPr algn="ctr"/>
+                      <a:r>
+                        <a:rPr lang="de-DE" dirty="0" smtClean="0"/>
+                        <a:t>-2</a:t>
+                      </a:r>
+                      <a:endParaRPr lang="de-DE" dirty="0"/>
+                    </a:p>
+                  </a:txBody>
+                  <a:tcPr/>
+                </a:tc>
+                <a:extLst>
+                  <a:ext uri="{0D108BD9-81ED-4DB2-BD59-A6C34878D82A}">
+                    <a16:rowId xmlns:a16="http://schemas.microsoft.com/office/drawing/2014/main" val="1567447554"/>
+                  </a:ext>
+                </a:extLst>
+              </a:tr>
+              <a:tr h="333431">
+                <a:tc>
+                  <a:txBody>
+                    <a:bodyPr/>
+                    <a:lstStyle/>
+                    <a:p>
+                      <a:r>
+                        <a:rPr lang="de-DE" dirty="0" smtClean="0">
+                          <a:solidFill>
+                            <a:schemeClr val="bg1"/>
+                          </a:solidFill>
+                        </a:rPr>
+                        <a:t>C</a:t>
+                      </a:r>
+                      <a:endParaRPr lang="de-DE" dirty="0">
+                        <a:solidFill>
+                          <a:schemeClr val="bg1"/>
+                        </a:solidFill>
+                      </a:endParaRPr>
+                    </a:p>
+                  </a:txBody>
+                  <a:tcPr>
+                    <a:solidFill>
+                      <a:schemeClr val="accent6"/>
+                    </a:solidFill>
+                  </a:tcPr>
+                </a:tc>
+                <a:tc>
+                  <a:txBody>
+                    <a:bodyPr/>
+                    <a:lstStyle/>
+                    <a:p>
+                      <a:pPr algn="ctr"/>
+                      <a:r>
+                        <a:rPr lang="de-DE" dirty="0" smtClean="0"/>
+                        <a:t>-6</a:t>
+                      </a:r>
+                      <a:endParaRPr lang="de-DE" dirty="0"/>
+                    </a:p>
+                  </a:txBody>
+                  <a:tcPr/>
+                </a:tc>
+                <a:tc>
+                  <a:txBody>
+                    <a:bodyPr/>
+                    <a:lstStyle/>
+                    <a:p>
+                      <a:pPr algn="ctr"/>
+                      <a:r>
+                        <a:rPr lang="de-DE" dirty="0" smtClean="0"/>
+                        <a:t>-6</a:t>
+                      </a:r>
+                      <a:endParaRPr lang="de-DE" dirty="0"/>
+                    </a:p>
+                  </a:txBody>
+                  <a:tcPr/>
+                </a:tc>
+                <a:tc>
+                  <a:txBody>
+                    <a:bodyPr/>
+                    <a:lstStyle/>
+                    <a:p>
+                      <a:pPr algn="ctr"/>
+                      <a:r>
+                        <a:rPr lang="de-DE" dirty="0" smtClean="0"/>
+                        <a:t>-2</a:t>
+                      </a:r>
+                      <a:endParaRPr lang="de-DE" dirty="0"/>
+                    </a:p>
+                  </a:txBody>
+                  <a:tcPr/>
+                </a:tc>
+                <a:extLst>
+                  <a:ext uri="{0D108BD9-81ED-4DB2-BD59-A6C34878D82A}">
+                    <a16:rowId xmlns:a16="http://schemas.microsoft.com/office/drawing/2014/main" val="3423828833"/>
+                  </a:ext>
+                </a:extLst>
+              </a:tr>
+              <a:tr h="333431">
+                <a:tc>
+                  <a:txBody>
+                    <a:bodyPr/>
+                    <a:lstStyle/>
+                    <a:p>
+                      <a:r>
+                        <a:rPr lang="de-DE" dirty="0" smtClean="0">
+                          <a:solidFill>
+                            <a:schemeClr val="bg1"/>
+                          </a:solidFill>
+                        </a:rPr>
+                        <a:t>T</a:t>
+                      </a:r>
+                      <a:endParaRPr lang="de-DE" dirty="0">
+                        <a:solidFill>
+                          <a:schemeClr val="bg1"/>
+                        </a:solidFill>
+                      </a:endParaRPr>
+                    </a:p>
+                  </a:txBody>
+                  <a:tcPr>
+                    <a:solidFill>
+                      <a:schemeClr val="accent6"/>
+                    </a:solidFill>
+                  </a:tcPr>
+                </a:tc>
+                <a:tc>
+                  <a:txBody>
+                    <a:bodyPr/>
+                    <a:lstStyle/>
+                    <a:p>
+                      <a:pPr algn="ctr"/>
+                      <a:r>
+                        <a:rPr lang="de-DE" dirty="0" smtClean="0"/>
+                        <a:t>-8</a:t>
+                      </a:r>
+                      <a:endParaRPr lang="de-DE" dirty="0"/>
+                    </a:p>
+                  </a:txBody>
+                  <a:tcPr/>
+                </a:tc>
+                <a:tc>
+                  <a:txBody>
+                    <a:bodyPr/>
+                    <a:lstStyle/>
+                    <a:p>
+                      <a:pPr algn="ctr"/>
+                      <a:r>
+                        <a:rPr lang="de-DE" dirty="0" smtClean="0"/>
+                        <a:t>-8</a:t>
+                      </a:r>
+                      <a:endParaRPr lang="de-DE" dirty="0"/>
+                    </a:p>
+                  </a:txBody>
+                  <a:tcPr/>
+                </a:tc>
+                <a:tc>
+                  <a:txBody>
+                    <a:bodyPr/>
+                    <a:lstStyle/>
+                    <a:p>
+                      <a:pPr algn="ctr"/>
+                      <a:r>
+                        <a:rPr lang="de-DE" dirty="0" smtClean="0">
+                          <a:solidFill>
+                            <a:schemeClr val="bg1"/>
+                          </a:solidFill>
+                        </a:rPr>
+                        <a:t>-4</a:t>
+                      </a:r>
+                      <a:endParaRPr lang="de-DE" dirty="0">
+                        <a:solidFill>
+                          <a:schemeClr val="bg1"/>
+                        </a:solidFill>
+                      </a:endParaRPr>
+                    </a:p>
+                  </a:txBody>
+                  <a:tcPr>
+                    <a:solidFill>
+                      <a:srgbClr val="C00000"/>
+                    </a:solidFill>
+                  </a:tcPr>
+                </a:tc>
+                <a:extLst>
+                  <a:ext uri="{0D108BD9-81ED-4DB2-BD59-A6C34878D82A}">
+                    <a16:rowId xmlns:a16="http://schemas.microsoft.com/office/drawing/2014/main" val="1580047456"/>
+                  </a:ext>
+                </a:extLst>
+              </a:tr>
+            </a:tbl>
+          </a:graphicData>
+        </a:graphic>
+      </p:graphicFrame>
+      <p:cxnSp>
+        <p:nvCxnSpPr>
+          <p:cNvPr id="32" name="Gerade Verbindung mit Pfeil 31"/>
+          <p:cNvCxnSpPr/>
+          <p:nvPr/>
+        </p:nvCxnSpPr>
+        <p:spPr>
+          <a:xfrm flipH="1" flipV="1">
+            <a:off x="5473815" y="6344427"/>
+            <a:ext cx="9332" cy="255881"/>
+          </a:xfrm>
+          <a:prstGeom prst="straightConnector1">
+            <a:avLst/>
+          </a:prstGeom>
+          <a:ln w="28575">
+            <a:tailEnd type="triangle"/>
+          </a:ln>
+        </p:spPr>
+        <p:style>
+          <a:lnRef idx="1">
+            <a:schemeClr val="dk1"/>
+          </a:lnRef>
+          <a:fillRef idx="0">
+            <a:schemeClr val="dk1"/>
+          </a:fillRef>
+          <a:effectRef idx="0">
+            <a:schemeClr val="dk1"/>
+          </a:effectRef>
+          <a:fontRef idx="minor">
+            <a:schemeClr val="tx1"/>
+          </a:fontRef>
+        </p:style>
+      </p:cxnSp>
+      <p:cxnSp>
+        <p:nvCxnSpPr>
+          <p:cNvPr id="35" name="Gerade Verbindung mit Pfeil 34"/>
+          <p:cNvCxnSpPr/>
+          <p:nvPr/>
+        </p:nvCxnSpPr>
+        <p:spPr>
+          <a:xfrm flipH="1" flipV="1">
+            <a:off x="4710333" y="5653534"/>
+            <a:ext cx="205273" cy="133544"/>
+          </a:xfrm>
+          <a:prstGeom prst="straightConnector1">
+            <a:avLst/>
+          </a:prstGeom>
+          <a:ln w="28575">
+            <a:tailEnd type="triangle"/>
+          </a:ln>
+        </p:spPr>
+        <p:style>
+          <a:lnRef idx="1">
+            <a:schemeClr val="dk1"/>
+          </a:lnRef>
+          <a:fillRef idx="0">
+            <a:schemeClr val="dk1"/>
+          </a:fillRef>
+          <a:effectRef idx="0">
+            <a:schemeClr val="dk1"/>
+          </a:effectRef>
+          <a:fontRef idx="minor">
+            <a:schemeClr val="tx1"/>
+          </a:fontRef>
+        </p:style>
+      </p:cxnSp>
+      <p:cxnSp>
+        <p:nvCxnSpPr>
+          <p:cNvPr id="29" name="Gerade Verbindung mit Pfeil 28"/>
+          <p:cNvCxnSpPr/>
+          <p:nvPr/>
+        </p:nvCxnSpPr>
+        <p:spPr>
+          <a:xfrm flipH="1" flipV="1">
+            <a:off x="4596735" y="5224325"/>
+            <a:ext cx="2" cy="240495"/>
+          </a:xfrm>
+          <a:prstGeom prst="straightConnector1">
+            <a:avLst/>
+          </a:prstGeom>
+          <a:ln w="28575">
+            <a:tailEnd type="triangle"/>
+          </a:ln>
+        </p:spPr>
+        <p:style>
+          <a:lnRef idx="1">
+            <a:schemeClr val="dk1"/>
+          </a:lnRef>
+          <a:fillRef idx="0">
+            <a:schemeClr val="dk1"/>
+          </a:fillRef>
+          <a:effectRef idx="0">
+            <a:schemeClr val="dk1"/>
+          </a:effectRef>
+          <a:fontRef idx="minor">
+            <a:schemeClr val="tx1"/>
+          </a:fontRef>
+        </p:style>
+      </p:cxnSp>
+      <p:cxnSp>
+        <p:nvCxnSpPr>
+          <p:cNvPr id="33" name="Gerade Verbindung mit Pfeil 32"/>
+          <p:cNvCxnSpPr/>
+          <p:nvPr/>
+        </p:nvCxnSpPr>
+        <p:spPr>
+          <a:xfrm flipH="1" flipV="1">
+            <a:off x="5184566" y="5986903"/>
+            <a:ext cx="205273" cy="133544"/>
+          </a:xfrm>
+          <a:prstGeom prst="straightConnector1">
+            <a:avLst/>
+          </a:prstGeom>
+          <a:ln w="28575">
+            <a:tailEnd type="triangle"/>
+          </a:ln>
+        </p:spPr>
+        <p:style>
+          <a:lnRef idx="1">
+            <a:schemeClr val="dk1"/>
+          </a:lnRef>
+          <a:fillRef idx="0">
+            <a:schemeClr val="dk1"/>
+          </a:fillRef>
+          <a:effectRef idx="0">
+            <a:schemeClr val="dk1"/>
+          </a:effectRef>
+          <a:fontRef idx="minor">
+            <a:schemeClr val="tx1"/>
+          </a:fontRef>
+        </p:style>
+      </p:cxnSp>
+      <p:graphicFrame>
+        <p:nvGraphicFramePr>
+          <p:cNvPr id="41" name="Tabelle 40"/>
+          <p:cNvGraphicFramePr>
+            <a:graphicFrameLocks noGrp="1"/>
+          </p:cNvGraphicFramePr>
+          <p:nvPr>
+            <p:extLst>
+              <p:ext uri="{D42A27DB-BD31-4B8C-83A1-F6EECF244321}">
+                <p14:modId xmlns:p14="http://schemas.microsoft.com/office/powerpoint/2010/main" val="218686038"/>
+              </p:ext>
+            </p:extLst>
+          </p:nvPr>
+        </p:nvGraphicFramePr>
+        <p:xfrm>
+          <a:off x="6880198" y="4515362"/>
+          <a:ext cx="2491875" cy="2194560"/>
+        </p:xfrm>
+        <a:graphic>
+          <a:graphicData uri="http://schemas.openxmlformats.org/drawingml/2006/table">
+            <a:tbl>
+              <a:tblPr firstRow="1" bandRow="1">
+                <a:tableStyleId>{00A15C55-8517-42AA-B614-E9B94910E393}</a:tableStyleId>
+              </a:tblPr>
+              <a:tblGrid>
+                <a:gridCol w="498375">
+                  <a:extLst>
+                    <a:ext uri="{9D8B030D-6E8A-4147-A177-3AD203B41FA5}">
+                      <a16:colId xmlns:a16="http://schemas.microsoft.com/office/drawing/2014/main" val="4145263170"/>
+                    </a:ext>
+                  </a:extLst>
+                </a:gridCol>
+                <a:gridCol w="498375">
+                  <a:extLst>
+                    <a:ext uri="{9D8B030D-6E8A-4147-A177-3AD203B41FA5}">
+                      <a16:colId xmlns:a16="http://schemas.microsoft.com/office/drawing/2014/main" val="216707943"/>
+                    </a:ext>
+                  </a:extLst>
+                </a:gridCol>
+                <a:gridCol w="498375">
+                  <a:extLst>
+                    <a:ext uri="{9D8B030D-6E8A-4147-A177-3AD203B41FA5}">
+                      <a16:colId xmlns:a16="http://schemas.microsoft.com/office/drawing/2014/main" val="1990811541"/>
+                    </a:ext>
+                  </a:extLst>
+                </a:gridCol>
+                <a:gridCol w="498375">
+                  <a:extLst>
+                    <a:ext uri="{9D8B030D-6E8A-4147-A177-3AD203B41FA5}">
+                      <a16:colId xmlns:a16="http://schemas.microsoft.com/office/drawing/2014/main" val="2246674802"/>
+                    </a:ext>
+                  </a:extLst>
+                </a:gridCol>
+                <a:gridCol w="498375">
+                  <a:extLst>
+                    <a:ext uri="{9D8B030D-6E8A-4147-A177-3AD203B41FA5}">
+                      <a16:colId xmlns:a16="http://schemas.microsoft.com/office/drawing/2014/main" val="1826638978"/>
+                    </a:ext>
+                  </a:extLst>
+                </a:gridCol>
+              </a:tblGrid>
+              <a:tr h="337380">
+                <a:tc>
+                  <a:txBody>
+                    <a:bodyPr/>
+                    <a:lstStyle/>
+                    <a:p>
+                      <a:endParaRPr lang="de-DE" dirty="0"/>
+                    </a:p>
+                  </a:txBody>
+                  <a:tcPr/>
+                </a:tc>
+                <a:tc>
+                  <a:txBody>
+                    <a:bodyPr/>
+                    <a:lstStyle/>
+                    <a:p>
+                      <a:r>
+                        <a:rPr lang="de-DE" dirty="0" smtClean="0"/>
+                        <a:t>0</a:t>
+                      </a:r>
+                      <a:endParaRPr lang="de-DE" dirty="0"/>
+                    </a:p>
+                  </a:txBody>
+                  <a:tcPr/>
+                </a:tc>
+                <a:tc>
+                  <a:txBody>
+                    <a:bodyPr/>
+                    <a:lstStyle/>
+                    <a:p>
+                      <a:r>
+                        <a:rPr lang="de-DE" dirty="0" smtClean="0"/>
+                        <a:t>C</a:t>
+                      </a:r>
+                      <a:endParaRPr lang="de-DE" dirty="0"/>
+                    </a:p>
+                  </a:txBody>
+                  <a:tcPr/>
+                </a:tc>
+                <a:tc>
+                  <a:txBody>
+                    <a:bodyPr/>
+                    <a:lstStyle/>
+                    <a:p>
+                      <a:r>
+                        <a:rPr lang="de-DE" dirty="0" smtClean="0"/>
+                        <a:t>T</a:t>
+                      </a:r>
+                      <a:endParaRPr lang="de-DE" dirty="0"/>
+                    </a:p>
+                  </a:txBody>
+                  <a:tcPr/>
+                </a:tc>
+                <a:tc>
+                  <a:txBody>
+                    <a:bodyPr/>
+                    <a:lstStyle/>
+                    <a:p>
+                      <a:r>
+                        <a:rPr lang="de-DE" dirty="0" smtClean="0"/>
+                        <a:t>T</a:t>
+                      </a:r>
+                      <a:endParaRPr lang="de-DE" dirty="0"/>
+                    </a:p>
+                  </a:txBody>
+                  <a:tcPr/>
+                </a:tc>
+                <a:extLst>
+                  <a:ext uri="{0D108BD9-81ED-4DB2-BD59-A6C34878D82A}">
+                    <a16:rowId xmlns:a16="http://schemas.microsoft.com/office/drawing/2014/main" val="29739558"/>
+                  </a:ext>
+                </a:extLst>
+              </a:tr>
+              <a:tr h="337380">
+                <a:tc>
+                  <a:txBody>
+                    <a:bodyPr/>
+                    <a:lstStyle/>
+                    <a:p>
+                      <a:r>
+                        <a:rPr lang="de-DE" dirty="0" smtClean="0">
+                          <a:solidFill>
+                            <a:schemeClr val="bg1"/>
+                          </a:solidFill>
+                        </a:rPr>
+                        <a:t>0</a:t>
+                      </a:r>
+                      <a:endParaRPr lang="de-DE" dirty="0">
+                        <a:solidFill>
+                          <a:schemeClr val="bg1"/>
+                        </a:solidFill>
+                      </a:endParaRPr>
+                    </a:p>
+                  </a:txBody>
+                  <a:tcPr>
+                    <a:solidFill>
+                      <a:schemeClr val="accent4"/>
+                    </a:solidFill>
+                  </a:tcPr>
+                </a:tc>
+                <a:tc>
+                  <a:txBody>
+                    <a:bodyPr/>
+                    <a:lstStyle/>
+                    <a:p>
+                      <a:pPr algn="ctr"/>
+                      <a:r>
+                        <a:rPr lang="de-DE" dirty="0" smtClean="0"/>
+                        <a:t>0</a:t>
+                      </a:r>
+                      <a:endParaRPr lang="de-DE" dirty="0"/>
+                    </a:p>
+                  </a:txBody>
+                  <a:tcPr/>
+                </a:tc>
+                <a:tc>
+                  <a:txBody>
+                    <a:bodyPr/>
+                    <a:lstStyle/>
+                    <a:p>
+                      <a:pPr algn="ctr"/>
+                      <a:r>
+                        <a:rPr lang="de-DE" dirty="0" smtClean="0"/>
+                        <a:t>-2</a:t>
+                      </a:r>
+                      <a:endParaRPr lang="de-DE" dirty="0"/>
+                    </a:p>
+                  </a:txBody>
+                  <a:tcPr/>
+                </a:tc>
+                <a:tc>
+                  <a:txBody>
+                    <a:bodyPr/>
+                    <a:lstStyle/>
+                    <a:p>
+                      <a:pPr algn="ctr"/>
+                      <a:r>
+                        <a:rPr lang="de-DE" dirty="0" smtClean="0"/>
+                        <a:t>-4</a:t>
+                      </a:r>
+                      <a:endParaRPr lang="de-DE" dirty="0"/>
+                    </a:p>
+                  </a:txBody>
+                  <a:tcPr/>
+                </a:tc>
+                <a:tc>
+                  <a:txBody>
+                    <a:bodyPr/>
+                    <a:lstStyle/>
+                    <a:p>
+                      <a:pPr algn="ctr"/>
+                      <a:r>
+                        <a:rPr lang="de-DE" dirty="0" smtClean="0"/>
+                        <a:t>-6</a:t>
+                      </a:r>
+                      <a:endParaRPr lang="de-DE" dirty="0"/>
+                    </a:p>
+                  </a:txBody>
+                  <a:tcPr/>
+                </a:tc>
+                <a:extLst>
+                  <a:ext uri="{0D108BD9-81ED-4DB2-BD59-A6C34878D82A}">
+                    <a16:rowId xmlns:a16="http://schemas.microsoft.com/office/drawing/2014/main" val="4022524043"/>
+                  </a:ext>
+                </a:extLst>
+              </a:tr>
+              <a:tr h="337380">
+                <a:tc>
+                  <a:txBody>
+                    <a:bodyPr/>
+                    <a:lstStyle/>
+                    <a:p>
+                      <a:r>
+                        <a:rPr lang="de-DE" dirty="0" smtClean="0">
+                          <a:solidFill>
+                            <a:schemeClr val="bg1"/>
+                          </a:solidFill>
+                        </a:rPr>
+                        <a:t>-</a:t>
+                      </a:r>
+                      <a:endParaRPr lang="de-DE" dirty="0">
+                        <a:solidFill>
+                          <a:schemeClr val="bg1"/>
+                        </a:solidFill>
+                      </a:endParaRPr>
+                    </a:p>
+                  </a:txBody>
+                  <a:tcPr>
+                    <a:solidFill>
+                      <a:schemeClr val="accent4"/>
+                    </a:solidFill>
+                  </a:tcPr>
+                </a:tc>
+                <a:tc>
+                  <a:txBody>
+                    <a:bodyPr/>
+                    <a:lstStyle/>
+                    <a:p>
+                      <a:pPr algn="ctr"/>
+                      <a:r>
+                        <a:rPr lang="de-DE" dirty="0" smtClean="0"/>
+                        <a:t>-2</a:t>
+                      </a:r>
+                      <a:endParaRPr lang="de-DE" dirty="0"/>
+                    </a:p>
+                  </a:txBody>
+                  <a:tcPr/>
+                </a:tc>
+                <a:tc>
+                  <a:txBody>
+                    <a:bodyPr/>
+                    <a:lstStyle/>
+                    <a:p>
+                      <a:pPr algn="ctr"/>
+                      <a:r>
+                        <a:rPr lang="de-DE" dirty="0" smtClean="0"/>
+                        <a:t>-2</a:t>
+                      </a:r>
+                      <a:endParaRPr lang="de-DE" dirty="0"/>
+                    </a:p>
+                  </a:txBody>
+                  <a:tcPr/>
+                </a:tc>
+                <a:tc>
+                  <a:txBody>
+                    <a:bodyPr/>
+                    <a:lstStyle/>
+                    <a:p>
+                      <a:pPr algn="ctr"/>
+                      <a:r>
+                        <a:rPr lang="de-DE" dirty="0" smtClean="0"/>
+                        <a:t>-4</a:t>
+                      </a:r>
+                      <a:endParaRPr lang="de-DE" dirty="0"/>
+                    </a:p>
+                  </a:txBody>
+                  <a:tcPr/>
+                </a:tc>
+                <a:tc>
+                  <a:txBody>
+                    <a:bodyPr/>
+                    <a:lstStyle/>
+                    <a:p>
+                      <a:pPr algn="ctr"/>
+                      <a:r>
+                        <a:rPr lang="de-DE" dirty="0" smtClean="0"/>
+                        <a:t>-6</a:t>
+                      </a:r>
+                      <a:endParaRPr lang="de-DE" dirty="0"/>
+                    </a:p>
+                  </a:txBody>
+                  <a:tcPr/>
+                </a:tc>
+                <a:extLst>
+                  <a:ext uri="{0D108BD9-81ED-4DB2-BD59-A6C34878D82A}">
+                    <a16:rowId xmlns:a16="http://schemas.microsoft.com/office/drawing/2014/main" val="3689923332"/>
+                  </a:ext>
+                </a:extLst>
+              </a:tr>
+              <a:tr h="337380">
+                <a:tc>
+                  <a:txBody>
+                    <a:bodyPr/>
+                    <a:lstStyle/>
+                    <a:p>
+                      <a:r>
+                        <a:rPr lang="de-DE" dirty="0" smtClean="0">
+                          <a:solidFill>
+                            <a:schemeClr val="bg1"/>
+                          </a:solidFill>
+                        </a:rPr>
+                        <a:t>T</a:t>
+                      </a:r>
+                      <a:endParaRPr lang="de-DE" dirty="0">
+                        <a:solidFill>
+                          <a:schemeClr val="bg1"/>
+                        </a:solidFill>
+                      </a:endParaRPr>
+                    </a:p>
+                  </a:txBody>
+                  <a:tcPr>
+                    <a:solidFill>
+                      <a:schemeClr val="accent4"/>
+                    </a:solidFill>
+                  </a:tcPr>
+                </a:tc>
+                <a:tc>
+                  <a:txBody>
+                    <a:bodyPr/>
+                    <a:lstStyle/>
+                    <a:p>
+                      <a:pPr algn="ctr"/>
+                      <a:r>
+                        <a:rPr lang="de-DE" dirty="0" smtClean="0"/>
+                        <a:t>-4</a:t>
+                      </a:r>
+                      <a:endParaRPr lang="de-DE" dirty="0"/>
+                    </a:p>
+                  </a:txBody>
+                  <a:tcPr/>
+                </a:tc>
+                <a:tc>
+                  <a:txBody>
+                    <a:bodyPr/>
+                    <a:lstStyle/>
+                    <a:p>
+                      <a:pPr algn="ctr"/>
+                      <a:r>
+                        <a:rPr lang="de-DE" dirty="0" smtClean="0"/>
+                        <a:t>-4</a:t>
+                      </a:r>
+                      <a:endParaRPr lang="de-DE" dirty="0"/>
+                    </a:p>
+                  </a:txBody>
+                  <a:tcPr/>
+                </a:tc>
+                <a:tc>
+                  <a:txBody>
+                    <a:bodyPr/>
+                    <a:lstStyle/>
+                    <a:p>
+                      <a:pPr algn="ctr"/>
+                      <a:r>
+                        <a:rPr lang="de-DE" dirty="0" smtClean="0"/>
+                        <a:t>0</a:t>
+                      </a:r>
+                      <a:endParaRPr lang="de-DE" dirty="0"/>
+                    </a:p>
+                  </a:txBody>
+                  <a:tcPr/>
+                </a:tc>
+                <a:tc>
+                  <a:txBody>
+                    <a:bodyPr/>
+                    <a:lstStyle/>
+                    <a:p>
+                      <a:pPr algn="ctr"/>
+                      <a:r>
+                        <a:rPr lang="de-DE" dirty="0" smtClean="0"/>
+                        <a:t>-2</a:t>
+                      </a:r>
+                      <a:endParaRPr lang="de-DE" dirty="0"/>
+                    </a:p>
+                  </a:txBody>
+                  <a:tcPr/>
+                </a:tc>
+                <a:extLst>
+                  <a:ext uri="{0D108BD9-81ED-4DB2-BD59-A6C34878D82A}">
+                    <a16:rowId xmlns:a16="http://schemas.microsoft.com/office/drawing/2014/main" val="1427704915"/>
+                  </a:ext>
+                </a:extLst>
+              </a:tr>
+              <a:tr h="337380">
+                <a:tc>
+                  <a:txBody>
+                    <a:bodyPr/>
+                    <a:lstStyle/>
+                    <a:p>
+                      <a:r>
+                        <a:rPr lang="de-DE" dirty="0" smtClean="0">
+                          <a:solidFill>
+                            <a:schemeClr val="bg1"/>
+                          </a:solidFill>
+                        </a:rPr>
+                        <a:t>C</a:t>
+                      </a:r>
+                      <a:endParaRPr lang="de-DE" dirty="0">
+                        <a:solidFill>
+                          <a:schemeClr val="bg1"/>
+                        </a:solidFill>
+                      </a:endParaRPr>
+                    </a:p>
+                  </a:txBody>
+                  <a:tcPr>
+                    <a:solidFill>
+                      <a:schemeClr val="accent4"/>
+                    </a:solidFill>
+                  </a:tcPr>
+                </a:tc>
+                <a:tc>
+                  <a:txBody>
+                    <a:bodyPr/>
+                    <a:lstStyle/>
+                    <a:p>
+                      <a:pPr algn="ctr"/>
+                      <a:r>
+                        <a:rPr lang="de-DE" dirty="0" smtClean="0"/>
+                        <a:t>-6</a:t>
+                      </a:r>
+                      <a:endParaRPr lang="de-DE" dirty="0"/>
+                    </a:p>
+                  </a:txBody>
+                  <a:tcPr/>
+                </a:tc>
+                <a:tc>
+                  <a:txBody>
+                    <a:bodyPr/>
+                    <a:lstStyle/>
+                    <a:p>
+                      <a:pPr algn="ctr"/>
+                      <a:r>
+                        <a:rPr lang="de-DE" dirty="0" smtClean="0"/>
+                        <a:t>-2</a:t>
+                      </a:r>
+                      <a:endParaRPr lang="de-DE" dirty="0"/>
+                    </a:p>
+                  </a:txBody>
+                  <a:tcPr/>
+                </a:tc>
+                <a:tc>
+                  <a:txBody>
+                    <a:bodyPr/>
+                    <a:lstStyle/>
+                    <a:p>
+                      <a:pPr algn="ctr"/>
+                      <a:r>
+                        <a:rPr lang="de-DE" dirty="0" smtClean="0"/>
+                        <a:t>-2</a:t>
+                      </a:r>
+                      <a:endParaRPr lang="de-DE" dirty="0"/>
+                    </a:p>
+                  </a:txBody>
+                  <a:tcPr/>
+                </a:tc>
+                <a:tc>
+                  <a:txBody>
+                    <a:bodyPr/>
+                    <a:lstStyle/>
+                    <a:p>
+                      <a:pPr algn="ctr"/>
+                      <a:r>
+                        <a:rPr lang="de-DE" dirty="0" smtClean="0"/>
+                        <a:t>-2</a:t>
+                      </a:r>
+                      <a:endParaRPr lang="de-DE" dirty="0"/>
+                    </a:p>
+                  </a:txBody>
+                  <a:tcPr/>
+                </a:tc>
+                <a:extLst>
+                  <a:ext uri="{0D108BD9-81ED-4DB2-BD59-A6C34878D82A}">
+                    <a16:rowId xmlns:a16="http://schemas.microsoft.com/office/drawing/2014/main" val="664470703"/>
+                  </a:ext>
+                </a:extLst>
+              </a:tr>
+              <a:tr h="337380">
+                <a:tc>
+                  <a:txBody>
+                    <a:bodyPr/>
+                    <a:lstStyle/>
+                    <a:p>
+                      <a:r>
+                        <a:rPr lang="de-DE" dirty="0" smtClean="0">
+                          <a:solidFill>
+                            <a:schemeClr val="bg1"/>
+                          </a:solidFill>
+                        </a:rPr>
+                        <a:t>-</a:t>
+                      </a:r>
+                      <a:endParaRPr lang="de-DE" dirty="0">
+                        <a:solidFill>
+                          <a:schemeClr val="bg1"/>
+                        </a:solidFill>
+                      </a:endParaRPr>
+                    </a:p>
+                  </a:txBody>
+                  <a:tcPr>
+                    <a:solidFill>
+                      <a:schemeClr val="accent4"/>
+                    </a:solidFill>
+                  </a:tcPr>
+                </a:tc>
+                <a:tc>
+                  <a:txBody>
+                    <a:bodyPr/>
+                    <a:lstStyle/>
+                    <a:p>
+                      <a:pPr algn="ctr"/>
+                      <a:r>
+                        <a:rPr lang="de-DE" dirty="0" smtClean="0"/>
+                        <a:t>-8</a:t>
+                      </a:r>
+                      <a:endParaRPr lang="de-DE" dirty="0"/>
+                    </a:p>
+                  </a:txBody>
+                  <a:tcPr/>
+                </a:tc>
+                <a:tc>
+                  <a:txBody>
+                    <a:bodyPr/>
+                    <a:lstStyle/>
+                    <a:p>
+                      <a:pPr algn="ctr"/>
+                      <a:r>
+                        <a:rPr lang="de-DE" dirty="0" smtClean="0"/>
+                        <a:t>-4</a:t>
+                      </a:r>
+                      <a:endParaRPr lang="de-DE" dirty="0"/>
+                    </a:p>
+                  </a:txBody>
+                  <a:tcPr/>
+                </a:tc>
+                <a:tc>
+                  <a:txBody>
+                    <a:bodyPr/>
+                    <a:lstStyle/>
+                    <a:p>
+                      <a:pPr algn="ctr"/>
+                      <a:r>
+                        <a:rPr lang="de-DE" dirty="0" smtClean="0"/>
+                        <a:t>-4</a:t>
+                      </a:r>
+                      <a:endParaRPr lang="de-DE" dirty="0"/>
+                    </a:p>
+                  </a:txBody>
+                  <a:tcPr/>
+                </a:tc>
+                <a:tc>
+                  <a:txBody>
+                    <a:bodyPr/>
+                    <a:lstStyle/>
+                    <a:p>
+                      <a:pPr algn="ctr"/>
+                      <a:r>
+                        <a:rPr lang="de-DE" dirty="0" smtClean="0">
+                          <a:solidFill>
+                            <a:schemeClr val="bg1"/>
+                          </a:solidFill>
+                        </a:rPr>
+                        <a:t>-4</a:t>
+                      </a:r>
+                      <a:endParaRPr lang="de-DE" dirty="0">
+                        <a:solidFill>
+                          <a:schemeClr val="bg1"/>
+                        </a:solidFill>
+                      </a:endParaRPr>
+                    </a:p>
+                  </a:txBody>
+                  <a:tcPr>
+                    <a:solidFill>
+                      <a:srgbClr val="C00000"/>
+                    </a:solidFill>
+                  </a:tcPr>
+                </a:tc>
+                <a:extLst>
+                  <a:ext uri="{0D108BD9-81ED-4DB2-BD59-A6C34878D82A}">
+                    <a16:rowId xmlns:a16="http://schemas.microsoft.com/office/drawing/2014/main" val="1567447554"/>
+                  </a:ext>
+                </a:extLst>
+              </a:tr>
+            </a:tbl>
+          </a:graphicData>
+        </a:graphic>
+      </p:graphicFrame>
+      <p:graphicFrame>
+        <p:nvGraphicFramePr>
+          <p:cNvPr id="44" name="Tabelle 43"/>
+          <p:cNvGraphicFramePr>
+            <a:graphicFrameLocks noGrp="1"/>
+          </p:cNvGraphicFramePr>
+          <p:nvPr>
+            <p:extLst>
+              <p:ext uri="{D42A27DB-BD31-4B8C-83A1-F6EECF244321}">
+                <p14:modId xmlns:p14="http://schemas.microsoft.com/office/powerpoint/2010/main" val="1675654655"/>
+              </p:ext>
+            </p:extLst>
+          </p:nvPr>
+        </p:nvGraphicFramePr>
+        <p:xfrm>
+          <a:off x="9596234" y="2191268"/>
+          <a:ext cx="2491875" cy="2194560"/>
+        </p:xfrm>
+        <a:graphic>
+          <a:graphicData uri="http://schemas.openxmlformats.org/drawingml/2006/table">
+            <a:tbl>
+              <a:tblPr firstRow="1" bandRow="1">
+                <a:tableStyleId>{00A15C55-8517-42AA-B614-E9B94910E393}</a:tableStyleId>
+              </a:tblPr>
+              <a:tblGrid>
+                <a:gridCol w="498375">
+                  <a:extLst>
+                    <a:ext uri="{9D8B030D-6E8A-4147-A177-3AD203B41FA5}">
+                      <a16:colId xmlns:a16="http://schemas.microsoft.com/office/drawing/2014/main" val="4145263170"/>
+                    </a:ext>
+                  </a:extLst>
+                </a:gridCol>
+                <a:gridCol w="498375">
+                  <a:extLst>
+                    <a:ext uri="{9D8B030D-6E8A-4147-A177-3AD203B41FA5}">
+                      <a16:colId xmlns:a16="http://schemas.microsoft.com/office/drawing/2014/main" val="216707943"/>
+                    </a:ext>
+                  </a:extLst>
+                </a:gridCol>
+                <a:gridCol w="498375">
+                  <a:extLst>
+                    <a:ext uri="{9D8B030D-6E8A-4147-A177-3AD203B41FA5}">
+                      <a16:colId xmlns:a16="http://schemas.microsoft.com/office/drawing/2014/main" val="1990811541"/>
+                    </a:ext>
+                  </a:extLst>
+                </a:gridCol>
+                <a:gridCol w="498375">
+                  <a:extLst>
+                    <a:ext uri="{9D8B030D-6E8A-4147-A177-3AD203B41FA5}">
+                      <a16:colId xmlns:a16="http://schemas.microsoft.com/office/drawing/2014/main" val="2246674802"/>
+                    </a:ext>
+                  </a:extLst>
+                </a:gridCol>
+                <a:gridCol w="498375">
+                  <a:extLst>
+                    <a:ext uri="{9D8B030D-6E8A-4147-A177-3AD203B41FA5}">
+                      <a16:colId xmlns:a16="http://schemas.microsoft.com/office/drawing/2014/main" val="1826638978"/>
+                    </a:ext>
+                  </a:extLst>
+                </a:gridCol>
+              </a:tblGrid>
+              <a:tr h="337380">
+                <a:tc>
+                  <a:txBody>
+                    <a:bodyPr/>
+                    <a:lstStyle/>
+                    <a:p>
+                      <a:endParaRPr lang="de-DE" dirty="0"/>
+                    </a:p>
+                  </a:txBody>
+                  <a:tcPr/>
+                </a:tc>
+                <a:tc>
+                  <a:txBody>
+                    <a:bodyPr/>
+                    <a:lstStyle/>
+                    <a:p>
+                      <a:r>
+                        <a:rPr lang="de-DE" dirty="0" smtClean="0"/>
+                        <a:t>0</a:t>
+                      </a:r>
+                      <a:endParaRPr lang="de-DE" dirty="0"/>
+                    </a:p>
+                  </a:txBody>
+                  <a:tcPr/>
+                </a:tc>
+                <a:tc>
+                  <a:txBody>
+                    <a:bodyPr/>
+                    <a:lstStyle/>
+                    <a:p>
+                      <a:r>
+                        <a:rPr lang="de-DE" dirty="0" smtClean="0"/>
+                        <a:t>C</a:t>
+                      </a:r>
+                      <a:endParaRPr lang="de-DE" dirty="0"/>
+                    </a:p>
+                  </a:txBody>
+                  <a:tcPr/>
+                </a:tc>
+                <a:tc>
+                  <a:txBody>
+                    <a:bodyPr/>
+                    <a:lstStyle/>
+                    <a:p>
+                      <a:r>
+                        <a:rPr lang="de-DE" dirty="0" smtClean="0"/>
+                        <a:t>T</a:t>
+                      </a:r>
+                      <a:endParaRPr lang="de-DE" dirty="0"/>
+                    </a:p>
+                  </a:txBody>
+                  <a:tcPr/>
+                </a:tc>
+                <a:tc>
+                  <a:txBody>
+                    <a:bodyPr/>
+                    <a:lstStyle/>
+                    <a:p>
+                      <a:r>
+                        <a:rPr lang="de-DE" dirty="0" smtClean="0"/>
+                        <a:t>T</a:t>
+                      </a:r>
+                      <a:endParaRPr lang="de-DE" dirty="0"/>
+                    </a:p>
+                  </a:txBody>
+                  <a:tcPr/>
+                </a:tc>
+                <a:extLst>
+                  <a:ext uri="{0D108BD9-81ED-4DB2-BD59-A6C34878D82A}">
+                    <a16:rowId xmlns:a16="http://schemas.microsoft.com/office/drawing/2014/main" val="29739558"/>
+                  </a:ext>
+                </a:extLst>
+              </a:tr>
+              <a:tr h="337380">
+                <a:tc>
+                  <a:txBody>
+                    <a:bodyPr/>
+                    <a:lstStyle/>
+                    <a:p>
+                      <a:r>
+                        <a:rPr lang="de-DE" dirty="0" smtClean="0">
+                          <a:solidFill>
+                            <a:schemeClr val="bg1"/>
+                          </a:solidFill>
+                        </a:rPr>
+                        <a:t>0</a:t>
+                      </a:r>
+                      <a:endParaRPr lang="de-DE" dirty="0">
+                        <a:solidFill>
+                          <a:schemeClr val="bg1"/>
+                        </a:solidFill>
+                      </a:endParaRPr>
+                    </a:p>
+                  </a:txBody>
+                  <a:tcPr>
+                    <a:solidFill>
+                      <a:schemeClr val="accent4"/>
+                    </a:solidFill>
+                  </a:tcPr>
+                </a:tc>
+                <a:tc>
+                  <a:txBody>
+                    <a:bodyPr/>
+                    <a:lstStyle/>
+                    <a:p>
+                      <a:pPr algn="ctr"/>
+                      <a:r>
+                        <a:rPr lang="de-DE" dirty="0" smtClean="0"/>
+                        <a:t>0</a:t>
+                      </a:r>
+                      <a:endParaRPr lang="de-DE" dirty="0"/>
+                    </a:p>
+                  </a:txBody>
+                  <a:tcPr/>
+                </a:tc>
+                <a:tc>
+                  <a:txBody>
+                    <a:bodyPr/>
+                    <a:lstStyle/>
+                    <a:p>
+                      <a:pPr algn="ctr"/>
+                      <a:r>
+                        <a:rPr lang="de-DE" dirty="0" smtClean="0"/>
+                        <a:t>-2</a:t>
+                      </a:r>
+                      <a:endParaRPr lang="de-DE" dirty="0"/>
+                    </a:p>
+                  </a:txBody>
+                  <a:tcPr/>
+                </a:tc>
+                <a:tc>
+                  <a:txBody>
+                    <a:bodyPr/>
+                    <a:lstStyle/>
+                    <a:p>
+                      <a:pPr algn="ctr"/>
+                      <a:r>
+                        <a:rPr lang="de-DE" dirty="0" smtClean="0"/>
+                        <a:t>-4</a:t>
+                      </a:r>
+                      <a:endParaRPr lang="de-DE" dirty="0"/>
+                    </a:p>
+                  </a:txBody>
+                  <a:tcPr/>
+                </a:tc>
+                <a:tc>
+                  <a:txBody>
+                    <a:bodyPr/>
+                    <a:lstStyle/>
+                    <a:p>
+                      <a:pPr algn="ctr"/>
+                      <a:r>
+                        <a:rPr lang="de-DE" dirty="0" smtClean="0"/>
+                        <a:t>-6</a:t>
+                      </a:r>
+                      <a:endParaRPr lang="de-DE" dirty="0"/>
+                    </a:p>
+                  </a:txBody>
+                  <a:tcPr/>
+                </a:tc>
+                <a:extLst>
+                  <a:ext uri="{0D108BD9-81ED-4DB2-BD59-A6C34878D82A}">
+                    <a16:rowId xmlns:a16="http://schemas.microsoft.com/office/drawing/2014/main" val="4022524043"/>
+                  </a:ext>
+                </a:extLst>
+              </a:tr>
+              <a:tr h="337380">
+                <a:tc>
+                  <a:txBody>
+                    <a:bodyPr/>
+                    <a:lstStyle/>
+                    <a:p>
+                      <a:r>
+                        <a:rPr lang="de-DE" dirty="0" smtClean="0">
+                          <a:solidFill>
+                            <a:schemeClr val="bg1"/>
+                          </a:solidFill>
+                        </a:rPr>
+                        <a:t>C</a:t>
+                      </a:r>
+                      <a:endParaRPr lang="de-DE" dirty="0">
+                        <a:solidFill>
+                          <a:schemeClr val="bg1"/>
+                        </a:solidFill>
+                      </a:endParaRPr>
+                    </a:p>
+                  </a:txBody>
+                  <a:tcPr>
+                    <a:solidFill>
+                      <a:schemeClr val="accent4"/>
+                    </a:solidFill>
+                  </a:tcPr>
+                </a:tc>
+                <a:tc>
+                  <a:txBody>
+                    <a:bodyPr/>
+                    <a:lstStyle/>
+                    <a:p>
+                      <a:pPr algn="ctr"/>
+                      <a:r>
+                        <a:rPr lang="de-DE" dirty="0" smtClean="0"/>
+                        <a:t>-2</a:t>
+                      </a:r>
+                      <a:endParaRPr lang="de-DE" dirty="0"/>
+                    </a:p>
+                  </a:txBody>
+                  <a:tcPr/>
+                </a:tc>
+                <a:tc>
+                  <a:txBody>
+                    <a:bodyPr/>
+                    <a:lstStyle/>
+                    <a:p>
+                      <a:pPr algn="ctr"/>
+                      <a:r>
+                        <a:rPr lang="de-DE" dirty="0" smtClean="0"/>
+                        <a:t>2</a:t>
+                      </a:r>
+                      <a:endParaRPr lang="de-DE" dirty="0"/>
+                    </a:p>
+                  </a:txBody>
+                  <a:tcPr/>
+                </a:tc>
+                <a:tc>
+                  <a:txBody>
+                    <a:bodyPr/>
+                    <a:lstStyle/>
+                    <a:p>
+                      <a:pPr algn="ctr"/>
+                      <a:r>
+                        <a:rPr lang="de-DE" dirty="0" smtClean="0"/>
+                        <a:t>0</a:t>
+                      </a:r>
+                      <a:endParaRPr lang="de-DE" dirty="0"/>
+                    </a:p>
+                  </a:txBody>
+                  <a:tcPr/>
+                </a:tc>
+                <a:tc>
+                  <a:txBody>
+                    <a:bodyPr/>
+                    <a:lstStyle/>
+                    <a:p>
+                      <a:pPr algn="ctr"/>
+                      <a:r>
+                        <a:rPr lang="de-DE" dirty="0" smtClean="0"/>
+                        <a:t>-2</a:t>
+                      </a:r>
+                      <a:endParaRPr lang="de-DE" dirty="0"/>
+                    </a:p>
+                  </a:txBody>
+                  <a:tcPr/>
+                </a:tc>
+                <a:extLst>
+                  <a:ext uri="{0D108BD9-81ED-4DB2-BD59-A6C34878D82A}">
+                    <a16:rowId xmlns:a16="http://schemas.microsoft.com/office/drawing/2014/main" val="1427704915"/>
+                  </a:ext>
+                </a:extLst>
+              </a:tr>
+              <a:tr h="337380">
+                <a:tc>
+                  <a:txBody>
+                    <a:bodyPr/>
+                    <a:lstStyle/>
+                    <a:p>
+                      <a:r>
+                        <a:rPr lang="de-DE" dirty="0" smtClean="0">
+                          <a:solidFill>
+                            <a:schemeClr val="bg1"/>
+                          </a:solidFill>
+                        </a:rPr>
+                        <a:t>A</a:t>
+                      </a:r>
+                      <a:endParaRPr lang="de-DE" dirty="0">
+                        <a:solidFill>
+                          <a:schemeClr val="bg1"/>
+                        </a:solidFill>
+                      </a:endParaRPr>
+                    </a:p>
+                  </a:txBody>
+                  <a:tcPr>
+                    <a:solidFill>
+                      <a:schemeClr val="accent4"/>
+                    </a:solidFill>
+                  </a:tcPr>
+                </a:tc>
+                <a:tc>
+                  <a:txBody>
+                    <a:bodyPr/>
+                    <a:lstStyle/>
+                    <a:p>
+                      <a:pPr algn="ctr"/>
+                      <a:r>
+                        <a:rPr lang="de-DE" dirty="0" smtClean="0"/>
+                        <a:t>-4</a:t>
+                      </a:r>
+                      <a:endParaRPr lang="de-DE" dirty="0"/>
+                    </a:p>
+                  </a:txBody>
+                  <a:tcPr/>
+                </a:tc>
+                <a:tc>
+                  <a:txBody>
+                    <a:bodyPr/>
+                    <a:lstStyle/>
+                    <a:p>
+                      <a:pPr algn="ctr"/>
+                      <a:r>
+                        <a:rPr lang="de-DE" dirty="0" smtClean="0"/>
+                        <a:t>0</a:t>
+                      </a:r>
+                      <a:endParaRPr lang="de-DE" dirty="0"/>
+                    </a:p>
+                  </a:txBody>
+                  <a:tcPr/>
+                </a:tc>
+                <a:tc>
+                  <a:txBody>
+                    <a:bodyPr/>
+                    <a:lstStyle/>
+                    <a:p>
+                      <a:pPr algn="ctr"/>
+                      <a:r>
+                        <a:rPr lang="de-DE" dirty="0" smtClean="0"/>
+                        <a:t>0</a:t>
+                      </a:r>
+                      <a:endParaRPr lang="de-DE" dirty="0"/>
+                    </a:p>
+                  </a:txBody>
+                  <a:tcPr/>
+                </a:tc>
+                <a:tc>
+                  <a:txBody>
+                    <a:bodyPr/>
+                    <a:lstStyle/>
+                    <a:p>
+                      <a:pPr algn="ctr"/>
+                      <a:r>
+                        <a:rPr lang="de-DE" dirty="0" smtClean="0"/>
+                        <a:t>-2</a:t>
+                      </a:r>
+                      <a:endParaRPr lang="de-DE" dirty="0"/>
+                    </a:p>
+                  </a:txBody>
+                  <a:tcPr/>
+                </a:tc>
+                <a:extLst>
+                  <a:ext uri="{0D108BD9-81ED-4DB2-BD59-A6C34878D82A}">
+                    <a16:rowId xmlns:a16="http://schemas.microsoft.com/office/drawing/2014/main" val="1567447554"/>
+                  </a:ext>
+                </a:extLst>
+              </a:tr>
+              <a:tr h="337380">
+                <a:tc>
+                  <a:txBody>
+                    <a:bodyPr/>
+                    <a:lstStyle/>
+                    <a:p>
+                      <a:r>
+                        <a:rPr lang="de-DE" dirty="0" smtClean="0">
+                          <a:solidFill>
+                            <a:schemeClr val="bg1"/>
+                          </a:solidFill>
+                        </a:rPr>
+                        <a:t>C</a:t>
+                      </a:r>
+                      <a:endParaRPr lang="de-DE" dirty="0">
+                        <a:solidFill>
+                          <a:schemeClr val="bg1"/>
+                        </a:solidFill>
+                      </a:endParaRPr>
+                    </a:p>
+                  </a:txBody>
+                  <a:tcPr>
+                    <a:solidFill>
+                      <a:schemeClr val="accent4"/>
+                    </a:solidFill>
+                  </a:tcPr>
+                </a:tc>
+                <a:tc>
+                  <a:txBody>
+                    <a:bodyPr/>
+                    <a:lstStyle/>
+                    <a:p>
+                      <a:pPr algn="ctr"/>
+                      <a:r>
+                        <a:rPr lang="de-DE" dirty="0" smtClean="0"/>
+                        <a:t>-6</a:t>
+                      </a:r>
+                      <a:endParaRPr lang="de-DE" dirty="0"/>
+                    </a:p>
+                  </a:txBody>
+                  <a:tcPr/>
+                </a:tc>
+                <a:tc>
+                  <a:txBody>
+                    <a:bodyPr/>
+                    <a:lstStyle/>
+                    <a:p>
+                      <a:pPr algn="ctr"/>
+                      <a:r>
+                        <a:rPr lang="de-DE" dirty="0" smtClean="0"/>
+                        <a:t>-2</a:t>
+                      </a:r>
+                      <a:endParaRPr lang="de-DE" dirty="0"/>
+                    </a:p>
+                  </a:txBody>
+                  <a:tcPr/>
+                </a:tc>
+                <a:tc>
+                  <a:txBody>
+                    <a:bodyPr/>
+                    <a:lstStyle/>
+                    <a:p>
+                      <a:pPr algn="ctr"/>
+                      <a:r>
+                        <a:rPr lang="de-DE" dirty="0" smtClean="0"/>
+                        <a:t>-2</a:t>
+                      </a:r>
+                      <a:endParaRPr lang="de-DE" dirty="0"/>
+                    </a:p>
+                  </a:txBody>
+                  <a:tcPr/>
+                </a:tc>
+                <a:tc>
+                  <a:txBody>
+                    <a:bodyPr/>
+                    <a:lstStyle/>
+                    <a:p>
+                      <a:pPr algn="ctr"/>
+                      <a:r>
+                        <a:rPr lang="de-DE" dirty="0" smtClean="0"/>
+                        <a:t>-2</a:t>
+                      </a:r>
+                      <a:endParaRPr lang="de-DE" dirty="0"/>
+                    </a:p>
+                  </a:txBody>
+                  <a:tcPr/>
+                </a:tc>
+                <a:extLst>
+                  <a:ext uri="{0D108BD9-81ED-4DB2-BD59-A6C34878D82A}">
+                    <a16:rowId xmlns:a16="http://schemas.microsoft.com/office/drawing/2014/main" val="373448220"/>
+                  </a:ext>
+                </a:extLst>
+              </a:tr>
+              <a:tr h="337380">
+                <a:tc>
+                  <a:txBody>
+                    <a:bodyPr/>
+                    <a:lstStyle/>
+                    <a:p>
+                      <a:r>
+                        <a:rPr lang="de-DE" dirty="0" smtClean="0">
+                          <a:solidFill>
+                            <a:schemeClr val="bg1"/>
+                          </a:solidFill>
+                        </a:rPr>
+                        <a:t>T</a:t>
+                      </a:r>
+                      <a:endParaRPr lang="de-DE" dirty="0">
+                        <a:solidFill>
+                          <a:schemeClr val="bg1"/>
+                        </a:solidFill>
+                      </a:endParaRPr>
+                    </a:p>
+                  </a:txBody>
+                  <a:tcPr>
+                    <a:solidFill>
+                      <a:schemeClr val="accent4"/>
+                    </a:solidFill>
+                  </a:tcPr>
+                </a:tc>
+                <a:tc>
+                  <a:txBody>
+                    <a:bodyPr/>
+                    <a:lstStyle/>
+                    <a:p>
+                      <a:pPr algn="ctr"/>
+                      <a:r>
+                        <a:rPr lang="de-DE" dirty="0" smtClean="0"/>
+                        <a:t>-8</a:t>
+                      </a:r>
+                      <a:endParaRPr lang="de-DE" dirty="0"/>
+                    </a:p>
+                  </a:txBody>
+                  <a:tcPr/>
+                </a:tc>
+                <a:tc>
+                  <a:txBody>
+                    <a:bodyPr/>
+                    <a:lstStyle/>
+                    <a:p>
+                      <a:pPr algn="ctr"/>
+                      <a:r>
+                        <a:rPr lang="de-DE" dirty="0" smtClean="0"/>
+                        <a:t>-4</a:t>
+                      </a:r>
+                      <a:endParaRPr lang="de-DE" dirty="0"/>
+                    </a:p>
+                  </a:txBody>
+                  <a:tcPr/>
+                </a:tc>
+                <a:tc>
+                  <a:txBody>
+                    <a:bodyPr/>
+                    <a:lstStyle/>
+                    <a:p>
+                      <a:pPr algn="ctr"/>
+                      <a:r>
+                        <a:rPr lang="de-DE" dirty="0" smtClean="0"/>
+                        <a:t>0</a:t>
+                      </a:r>
+                      <a:endParaRPr lang="de-DE" dirty="0"/>
+                    </a:p>
+                  </a:txBody>
+                  <a:tcPr/>
+                </a:tc>
+                <a:tc>
+                  <a:txBody>
+                    <a:bodyPr/>
+                    <a:lstStyle/>
+                    <a:p>
+                      <a:pPr algn="ctr"/>
+                      <a:r>
+                        <a:rPr lang="de-DE" dirty="0" smtClean="0">
+                          <a:solidFill>
+                            <a:schemeClr val="bg1"/>
+                          </a:solidFill>
+                        </a:rPr>
+                        <a:t>0</a:t>
+                      </a:r>
+                      <a:endParaRPr lang="de-DE" dirty="0">
+                        <a:solidFill>
+                          <a:schemeClr val="bg1"/>
+                        </a:solidFill>
+                      </a:endParaRPr>
+                    </a:p>
+                  </a:txBody>
+                  <a:tcPr>
+                    <a:solidFill>
+                      <a:srgbClr val="C00000"/>
+                    </a:solidFill>
+                  </a:tcPr>
+                </a:tc>
+                <a:extLst>
+                  <a:ext uri="{0D108BD9-81ED-4DB2-BD59-A6C34878D82A}">
+                    <a16:rowId xmlns:a16="http://schemas.microsoft.com/office/drawing/2014/main" val="3925440982"/>
+                  </a:ext>
+                </a:extLst>
+              </a:tr>
+            </a:tbl>
+          </a:graphicData>
+        </a:graphic>
+      </p:graphicFrame>
+      <p:cxnSp>
+        <p:nvCxnSpPr>
+          <p:cNvPr id="38" name="Gerade Verbindung mit Pfeil 37"/>
+          <p:cNvCxnSpPr/>
+          <p:nvPr/>
+        </p:nvCxnSpPr>
+        <p:spPr>
+          <a:xfrm flipH="1" flipV="1">
+            <a:off x="11511079" y="3953296"/>
+            <a:ext cx="205273" cy="133544"/>
+          </a:xfrm>
+          <a:prstGeom prst="straightConnector1">
+            <a:avLst/>
+          </a:prstGeom>
+          <a:ln w="28575">
+            <a:tailEnd type="triangle"/>
+          </a:ln>
+        </p:spPr>
+        <p:style>
+          <a:lnRef idx="1">
+            <a:schemeClr val="dk1"/>
+          </a:lnRef>
+          <a:fillRef idx="0">
+            <a:schemeClr val="dk1"/>
+          </a:fillRef>
+          <a:effectRef idx="0">
+            <a:schemeClr val="dk1"/>
+          </a:effectRef>
+          <a:fontRef idx="minor">
+            <a:schemeClr val="tx1"/>
+          </a:fontRef>
+        </p:style>
+      </p:cxnSp>
+      <p:cxnSp>
+        <p:nvCxnSpPr>
+          <p:cNvPr id="48" name="Gerade Verbindung mit Pfeil 47"/>
+          <p:cNvCxnSpPr/>
+          <p:nvPr/>
+        </p:nvCxnSpPr>
+        <p:spPr>
+          <a:xfrm flipH="1" flipV="1">
+            <a:off x="10973014" y="3572623"/>
+            <a:ext cx="205273" cy="133544"/>
+          </a:xfrm>
+          <a:prstGeom prst="straightConnector1">
+            <a:avLst/>
+          </a:prstGeom>
+          <a:ln w="28575">
+            <a:tailEnd type="triangle"/>
+          </a:ln>
+        </p:spPr>
+        <p:style>
+          <a:lnRef idx="1">
+            <a:schemeClr val="dk1"/>
+          </a:lnRef>
+          <a:fillRef idx="0">
+            <a:schemeClr val="dk1"/>
+          </a:fillRef>
+          <a:effectRef idx="0">
+            <a:schemeClr val="dk1"/>
+          </a:effectRef>
+          <a:fontRef idx="minor">
+            <a:schemeClr val="tx1"/>
+          </a:fontRef>
+        </p:style>
+      </p:cxnSp>
+      <p:cxnSp>
+        <p:nvCxnSpPr>
+          <p:cNvPr id="49" name="Gerade Verbindung mit Pfeil 48"/>
+          <p:cNvCxnSpPr/>
+          <p:nvPr/>
+        </p:nvCxnSpPr>
+        <p:spPr>
+          <a:xfrm flipH="1" flipV="1">
+            <a:off x="10842171" y="3191282"/>
+            <a:ext cx="1" cy="200315"/>
+          </a:xfrm>
+          <a:prstGeom prst="straightConnector1">
+            <a:avLst/>
+          </a:prstGeom>
+          <a:ln w="28575">
+            <a:tailEnd type="triangle"/>
+          </a:ln>
+        </p:spPr>
+        <p:style>
+          <a:lnRef idx="1">
+            <a:schemeClr val="dk1"/>
+          </a:lnRef>
+          <a:fillRef idx="0">
+            <a:schemeClr val="dk1"/>
+          </a:fillRef>
+          <a:effectRef idx="0">
+            <a:schemeClr val="dk1"/>
+          </a:effectRef>
+          <a:fontRef idx="minor">
+            <a:schemeClr val="tx1"/>
+          </a:fontRef>
+        </p:style>
+      </p:cxnSp>
+      <p:cxnSp>
+        <p:nvCxnSpPr>
+          <p:cNvPr id="50" name="Gerade Verbindung mit Pfeil 49"/>
+          <p:cNvCxnSpPr/>
+          <p:nvPr/>
+        </p:nvCxnSpPr>
+        <p:spPr>
+          <a:xfrm flipH="1" flipV="1">
+            <a:off x="10509594" y="2895443"/>
+            <a:ext cx="205273" cy="133544"/>
+          </a:xfrm>
+          <a:prstGeom prst="straightConnector1">
+            <a:avLst/>
+          </a:prstGeom>
+          <a:ln w="28575">
             <a:tailEnd type="triangle"/>
           </a:ln>
         </p:spPr>
